--- a/plugins/org.eclipse.osee.support.admin/presentations_publications/The_Cure_for_Your_Disconnected_Toolset_Headache_2012.pptx
+++ b/plugins/org.eclipse.osee.support.admin/presentations_publications/The_Cure_for_Your_Disconnected_Toolset_Headache_2012.pptx
@@ -5621,11 +5621,7 @@
           <a:p>
             <a:r>
               <a:rPr lang="en-US" dirty="0" smtClean="0"/>
-              <a:t>Integrated Metrics and Project </a:t>
-            </a:r>
-            <a:r>
-              <a:rPr lang="en-US" dirty="0" smtClean="0"/>
-              <a:t>planning</a:t>
+              <a:t>Integrated Metrics and Project planning</a:t>
             </a:r>
           </a:p>
           <a:p>
@@ -5651,11 +5647,7 @@
           <a:p>
             <a:r>
               <a:rPr lang="en-US" dirty="0" smtClean="0"/>
-              <a:t>Release reports -  </a:t>
-            </a:r>
-            <a:r>
-              <a:rPr lang="en-US" dirty="0" smtClean="0"/>
-              <a:t>org.eclipse.osee.ats.navigate.report.PublishFullVersionReportItem</a:t>
+              <a:t>Release reports -  org.eclipse.osee.ats.navigate.report.PublishFullVersionReportItem</a:t>
             </a:r>
           </a:p>
           <a:p>
@@ -13448,7 +13440,55 @@
       </p:grpSpPr>
       <p:sp>
         <p:nvSpPr>
-          <p:cNvPr id="2" name="Title 1"/>
+          <p:cNvPr id="130" name="Rounded Rectangle 129"/>
+          <p:cNvSpPr/>
+          <p:nvPr/>
+        </p:nvSpPr>
+        <p:spPr>
+          <a:xfrm>
+            <a:off x="114300" y="914400"/>
+            <a:ext cx="8924925" cy="5715000"/>
+          </a:xfrm>
+          <a:prstGeom prst="roundRect">
+            <a:avLst/>
+          </a:prstGeom>
+          <a:solidFill>
+            <a:schemeClr val="accent3"/>
+          </a:solidFill>
+          <a:ln>
+            <a:solidFill>
+              <a:schemeClr val="accent3"/>
+            </a:solidFill>
+          </a:ln>
+        </p:spPr>
+        <p:style>
+          <a:lnRef idx="2">
+            <a:schemeClr val="accent1">
+              <a:shade val="50000"/>
+            </a:schemeClr>
+          </a:lnRef>
+          <a:fillRef idx="1">
+            <a:schemeClr val="accent1"/>
+          </a:fillRef>
+          <a:effectRef idx="0">
+            <a:schemeClr val="accent1"/>
+          </a:effectRef>
+          <a:fontRef idx="minor">
+            <a:schemeClr val="lt1"/>
+          </a:fontRef>
+        </p:style>
+        <p:txBody>
+          <a:bodyPr rtlCol="0" anchor="ctr"/>
+          <a:lstStyle/>
+          <a:p>
+            <a:pPr algn="ctr"/>
+            <a:endParaRPr lang="en-US"/>
+          </a:p>
+        </p:txBody>
+      </p:sp>
+      <p:sp>
+        <p:nvSpPr>
+          <p:cNvPr id="129" name="Title 128"/>
           <p:cNvSpPr>
             <a:spLocks noGrp="1"/>
           </p:cNvSpPr>
@@ -13463,18 +13503,8 @@
           <a:p>
             <a:r>
               <a:rPr lang="en-US" dirty="0" smtClean="0"/>
-              <a:t>Bidirectional Traceability</a:t>
-            </a:r>
-            <a:br>
-              <a:rPr lang="en-US" dirty="0" smtClean="0"/>
-            </a:br>
-            <a:r>
-              <a:rPr lang="en-US" dirty="0" smtClean="0"/>
-              <a:t/>
-            </a:r>
-            <a:br>
-              <a:rPr lang="en-US" dirty="0" smtClean="0"/>
-            </a:br>
+              <a:t>Systems Engineering Data Model</a:t>
+            </a:r>
             <a:endParaRPr lang="en-US" dirty="0"/>
           </a:p>
         </p:txBody>
@@ -13489,7 +13519,12 @@
             <p:ph type="ftr" sz="quarter" idx="10"/>
           </p:nvPr>
         </p:nvSpPr>
-        <p:spPr/>
+        <p:spPr>
+          <a:xfrm>
+            <a:off x="457200" y="6613525"/>
+            <a:ext cx="8229600" cy="244475"/>
+          </a:xfrm>
+        </p:spPr>
         <p:txBody>
           <a:bodyPr/>
           <a:lstStyle/>
@@ -13504,7 +13539,7 @@
       </p:sp>
       <p:sp>
         <p:nvSpPr>
-          <p:cNvPr id="5" name="Rectangle 2"/>
+          <p:cNvPr id="57" name="Rectangle 2"/>
           <p:cNvSpPr>
             <a:spLocks noChangeArrowheads="1"/>
           </p:cNvSpPr>
@@ -13512,406 +13547,8 @@
         </p:nvSpPr>
         <p:spPr bwMode="auto">
           <a:xfrm>
-            <a:off x="990600" y="1295400"/>
-            <a:ext cx="1295400" cy="685800"/>
-          </a:xfrm>
-          <a:prstGeom prst="rect">
-            <a:avLst/>
-          </a:prstGeom>
-          <a:solidFill>
-            <a:srgbClr val="FFCC99"/>
-          </a:solidFill>
-          <a:ln w="9525">
-            <a:solidFill>
-              <a:schemeClr val="tx1"/>
-            </a:solidFill>
-            <a:miter lim="800000"/>
-            <a:headEnd/>
-            <a:tailEnd/>
-          </a:ln>
-          <a:effectLst/>
-        </p:spPr>
-        <p:txBody>
-          <a:bodyPr wrap="none" anchor="ctr"/>
-          <a:lstStyle/>
-          <a:p>
-            <a:pPr algn="ctr"/>
-            <a:r>
-              <a:rPr lang="en-US" sz="1600" dirty="0"/>
-              <a:t>System</a:t>
-            </a:r>
-          </a:p>
-          <a:p>
-            <a:pPr algn="ctr"/>
-            <a:r>
-              <a:rPr lang="en-US" sz="1600" dirty="0"/>
-              <a:t>Requirement</a:t>
-            </a:r>
-          </a:p>
-        </p:txBody>
-      </p:sp>
-      <p:sp>
-        <p:nvSpPr>
-          <p:cNvPr id="6" name="Rectangle 3"/>
-          <p:cNvSpPr>
-            <a:spLocks noChangeArrowheads="1"/>
-          </p:cNvSpPr>
-          <p:nvPr/>
-        </p:nvSpPr>
-        <p:spPr bwMode="auto">
-          <a:xfrm>
-            <a:off x="381000" y="2362200"/>
-            <a:ext cx="1295400" cy="685800"/>
-          </a:xfrm>
-          <a:prstGeom prst="rect">
-            <a:avLst/>
-          </a:prstGeom>
-          <a:solidFill>
-            <a:schemeClr val="accent1"/>
-          </a:solidFill>
-          <a:ln w="9525">
-            <a:solidFill>
-              <a:schemeClr val="tx1"/>
-            </a:solidFill>
-            <a:miter lim="800000"/>
-            <a:headEnd/>
-            <a:tailEnd/>
-          </a:ln>
-          <a:effectLst/>
-        </p:spPr>
-        <p:txBody>
-          <a:bodyPr wrap="none" anchor="ctr"/>
-          <a:lstStyle/>
-          <a:p>
-            <a:pPr algn="ctr"/>
-            <a:r>
-              <a:rPr lang="en-US" sz="1600" dirty="0"/>
-              <a:t>Subsystem</a:t>
-            </a:r>
-          </a:p>
-          <a:p>
-            <a:pPr algn="ctr"/>
-            <a:r>
-              <a:rPr lang="en-US" sz="1600" dirty="0"/>
-              <a:t>Requirement</a:t>
-            </a:r>
-          </a:p>
-        </p:txBody>
-      </p:sp>
-      <p:cxnSp>
-        <p:nvCxnSpPr>
-          <p:cNvPr id="8" name="AutoShape 5"/>
-          <p:cNvCxnSpPr>
-            <a:cxnSpLocks noChangeShapeType="1"/>
-          </p:cNvCxnSpPr>
-          <p:nvPr/>
-        </p:nvCxnSpPr>
-        <p:spPr bwMode="auto">
-          <a:xfrm rot="5400000">
-            <a:off x="723900" y="3238500"/>
-            <a:ext cx="381000" cy="0"/>
-          </a:xfrm>
-          <a:prstGeom prst="straightConnector1">
-            <a:avLst/>
-          </a:prstGeom>
-          <a:noFill/>
-          <a:ln w="9525">
-            <a:solidFill>
-              <a:schemeClr val="bg1"/>
-            </a:solidFill>
-            <a:round/>
-            <a:headEnd type="triangle" w="med" len="med"/>
-            <a:tailEnd type="triangle" w="med" len="med"/>
-          </a:ln>
-          <a:effectLst/>
-        </p:spPr>
-      </p:cxnSp>
-      <p:sp>
-        <p:nvSpPr>
-          <p:cNvPr id="9" name="Text Box 6"/>
-          <p:cNvSpPr txBox="1">
-            <a:spLocks noChangeArrowheads="1"/>
-          </p:cNvSpPr>
-          <p:nvPr/>
-        </p:nvSpPr>
-        <p:spPr bwMode="auto">
-          <a:xfrm>
-            <a:off x="609600" y="3124200"/>
-            <a:ext cx="1524000" cy="336550"/>
-          </a:xfrm>
-          <a:prstGeom prst="rect">
-            <a:avLst/>
-          </a:prstGeom>
-          <a:noFill/>
-          <a:ln w="9525">
-            <a:noFill/>
-            <a:miter lim="800000"/>
-            <a:headEnd/>
-            <a:tailEnd/>
-          </a:ln>
-          <a:effectLst/>
-        </p:spPr>
-        <p:txBody>
-          <a:bodyPr>
-            <a:spAutoFit/>
-          </a:bodyPr>
-          <a:lstStyle/>
-          <a:p>
-            <a:pPr>
-              <a:spcBef>
-                <a:spcPct val="50000"/>
-              </a:spcBef>
-            </a:pPr>
-            <a:endParaRPr lang="en-US" sz="1600"/>
-          </a:p>
-        </p:txBody>
-      </p:sp>
-      <p:sp>
-        <p:nvSpPr>
-          <p:cNvPr id="10" name="Text Box 7"/>
-          <p:cNvSpPr txBox="1">
-            <a:spLocks noChangeArrowheads="1"/>
-          </p:cNvSpPr>
-          <p:nvPr/>
-        </p:nvSpPr>
-        <p:spPr bwMode="auto">
-          <a:xfrm>
-            <a:off x="2362200" y="2057400"/>
-            <a:ext cx="1981200" cy="338554"/>
-          </a:xfrm>
-          <a:prstGeom prst="rect">
-            <a:avLst/>
-          </a:prstGeom>
-          <a:noFill/>
-          <a:ln w="9525">
-            <a:noFill/>
-            <a:miter lim="800000"/>
-            <a:headEnd/>
-            <a:tailEnd/>
-          </a:ln>
-          <a:effectLst/>
-        </p:spPr>
-        <p:txBody>
-          <a:bodyPr wrap="square">
-            <a:spAutoFit/>
-          </a:bodyPr>
-          <a:lstStyle/>
-          <a:p>
-            <a:pPr>
-              <a:spcBef>
-                <a:spcPct val="50000"/>
-              </a:spcBef>
-            </a:pPr>
-            <a:r>
-              <a:rPr lang="en-US" sz="1600" dirty="0">
-                <a:solidFill>
-                  <a:schemeClr val="bg1"/>
-                </a:solidFill>
-              </a:rPr>
-              <a:t>Requirement </a:t>
-            </a:r>
-            <a:r>
-              <a:rPr lang="en-US" sz="1600" dirty="0" smtClean="0">
-                <a:solidFill>
-                  <a:schemeClr val="bg1"/>
-                </a:solidFill>
-              </a:rPr>
-              <a:t>Trace</a:t>
-            </a:r>
-            <a:endParaRPr lang="en-US" sz="1600" dirty="0">
-              <a:solidFill>
-                <a:schemeClr val="bg1"/>
-              </a:solidFill>
-            </a:endParaRPr>
-          </a:p>
-        </p:txBody>
-      </p:sp>
-      <p:sp>
-        <p:nvSpPr>
-          <p:cNvPr id="11" name="Rectangle 9"/>
-          <p:cNvSpPr>
-            <a:spLocks noChangeArrowheads="1"/>
-          </p:cNvSpPr>
-          <p:nvPr/>
-        </p:nvSpPr>
-        <p:spPr bwMode="auto">
-          <a:xfrm>
-            <a:off x="2743200" y="1295400"/>
-            <a:ext cx="1295400" cy="666750"/>
-          </a:xfrm>
-          <a:prstGeom prst="rect">
-            <a:avLst/>
-          </a:prstGeom>
-          <a:solidFill>
-            <a:srgbClr val="FFCC99"/>
-          </a:solidFill>
-          <a:ln w="9525">
-            <a:solidFill>
-              <a:schemeClr val="tx1"/>
-            </a:solidFill>
-            <a:miter lim="800000"/>
-            <a:headEnd/>
-            <a:tailEnd/>
-          </a:ln>
-          <a:effectLst/>
-        </p:spPr>
-        <p:txBody>
-          <a:bodyPr wrap="none" anchor="ctr"/>
-          <a:lstStyle/>
-          <a:p>
-            <a:pPr algn="ctr"/>
-            <a:r>
-              <a:rPr lang="en-US" sz="1600"/>
-              <a:t>System</a:t>
-            </a:r>
-          </a:p>
-          <a:p>
-            <a:pPr algn="ctr"/>
-            <a:r>
-              <a:rPr lang="en-US" sz="1600"/>
-              <a:t>Requirement</a:t>
-            </a:r>
-          </a:p>
-        </p:txBody>
-      </p:sp>
-      <p:sp>
-        <p:nvSpPr>
-          <p:cNvPr id="12" name="Rectangle 10"/>
-          <p:cNvSpPr>
-            <a:spLocks noChangeArrowheads="1"/>
-          </p:cNvSpPr>
-          <p:nvPr/>
-        </p:nvSpPr>
-        <p:spPr bwMode="auto">
-          <a:xfrm>
-            <a:off x="1828800" y="2362200"/>
-            <a:ext cx="1295400" cy="685800"/>
-          </a:xfrm>
-          <a:prstGeom prst="rect">
-            <a:avLst/>
-          </a:prstGeom>
-          <a:solidFill>
-            <a:schemeClr val="accent1"/>
-          </a:solidFill>
-          <a:ln w="9525">
-            <a:solidFill>
-              <a:schemeClr val="tx1"/>
-            </a:solidFill>
-            <a:miter lim="800000"/>
-            <a:headEnd/>
-            <a:tailEnd/>
-          </a:ln>
-          <a:effectLst/>
-        </p:spPr>
-        <p:txBody>
-          <a:bodyPr wrap="none" anchor="ctr"/>
-          <a:lstStyle/>
-          <a:p>
-            <a:pPr algn="ctr"/>
-            <a:r>
-              <a:rPr lang="en-US" sz="1600"/>
-              <a:t>Subsystem</a:t>
-            </a:r>
-          </a:p>
-          <a:p>
-            <a:pPr algn="ctr"/>
-            <a:r>
-              <a:rPr lang="en-US" sz="1600"/>
-              <a:t>Requirement</a:t>
-            </a:r>
-          </a:p>
-        </p:txBody>
-      </p:sp>
-      <p:sp>
-        <p:nvSpPr>
-          <p:cNvPr id="13" name="Rectangle 11"/>
-          <p:cNvSpPr>
-            <a:spLocks noChangeArrowheads="1"/>
-          </p:cNvSpPr>
-          <p:nvPr/>
-        </p:nvSpPr>
-        <p:spPr bwMode="auto">
-          <a:xfrm>
-            <a:off x="3505200" y="2362200"/>
-            <a:ext cx="1295400" cy="685800"/>
-          </a:xfrm>
-          <a:prstGeom prst="rect">
-            <a:avLst/>
-          </a:prstGeom>
-          <a:solidFill>
-            <a:schemeClr val="accent1"/>
-          </a:solidFill>
-          <a:ln w="9525">
-            <a:solidFill>
-              <a:schemeClr val="tx1"/>
-            </a:solidFill>
-            <a:miter lim="800000"/>
-            <a:headEnd/>
-            <a:tailEnd/>
-          </a:ln>
-          <a:effectLst/>
-        </p:spPr>
-        <p:txBody>
-          <a:bodyPr wrap="none" anchor="ctr"/>
-          <a:lstStyle/>
-          <a:p>
-            <a:pPr algn="ctr"/>
-            <a:r>
-              <a:rPr lang="en-US" sz="1600"/>
-              <a:t>Subsystem</a:t>
-            </a:r>
-          </a:p>
-          <a:p>
-            <a:pPr algn="ctr"/>
-            <a:r>
-              <a:rPr lang="en-US" sz="1600"/>
-              <a:t>Requirement</a:t>
-            </a:r>
-          </a:p>
-        </p:txBody>
-      </p:sp>
-      <p:cxnSp>
-        <p:nvCxnSpPr>
-          <p:cNvPr id="15" name="AutoShape 13"/>
-          <p:cNvCxnSpPr>
-            <a:cxnSpLocks noChangeShapeType="1"/>
-          </p:cNvCxnSpPr>
-          <p:nvPr/>
-        </p:nvCxnSpPr>
-        <p:spPr bwMode="auto">
-          <a:xfrm rot="16200000" flipH="1">
-            <a:off x="3762375" y="1781175"/>
-            <a:ext cx="400050" cy="762000"/>
-          </a:xfrm>
-          <a:prstGeom prst="curvedConnector3">
-            <a:avLst>
-              <a:gd name="adj1" fmla="val 42856"/>
-            </a:avLst>
-          </a:prstGeom>
-          <a:noFill/>
-          <a:ln w="9525">
-            <a:solidFill>
-              <a:schemeClr val="bg1"/>
-            </a:solidFill>
-            <a:round/>
-            <a:headEnd type="triangle" w="med" len="med"/>
-            <a:tailEnd type="triangle" w="med" len="med"/>
-          </a:ln>
-          <a:effectLst/>
-        </p:spPr>
-      </p:cxnSp>
-      <p:sp>
-        <p:nvSpPr>
-          <p:cNvPr id="16" name="Rectangle 14"/>
-          <p:cNvSpPr>
-            <a:spLocks noChangeArrowheads="1"/>
-          </p:cNvSpPr>
-          <p:nvPr/>
-        </p:nvSpPr>
-        <p:spPr bwMode="auto">
-          <a:xfrm>
-            <a:off x="1733550" y="3429000"/>
-            <a:ext cx="1238250" cy="685800"/>
+            <a:off x="3756211" y="1425387"/>
+            <a:ext cx="1039907" cy="640975"/>
           </a:xfrm>
           <a:prstGeom prst="rect">
             <a:avLst/>
@@ -13933,89 +13570,44 @@
           <a:bodyPr wrap="none" anchor="ctr"/>
           <a:lstStyle/>
           <a:p>
-            <a:pPr algn="ctr"/>
-            <a:r>
-              <a:rPr lang="en-US" sz="1600"/>
-              <a:t>Software</a:t>
-            </a:r>
-          </a:p>
-          <a:p>
-            <a:pPr algn="ctr"/>
-            <a:r>
-              <a:rPr lang="en-US" sz="1600"/>
+            <a:pPr algn="ctr" eaLnBrk="1" hangingPunct="1">
+              <a:spcBef>
+                <a:spcPct val="0"/>
+              </a:spcBef>
+              <a:buSzTx/>
+              <a:buNone/>
+            </a:pPr>
+            <a:r>
+              <a:rPr lang="en-US" sz="1200" dirty="0">
+                <a:solidFill>
+                  <a:srgbClr val="000000"/>
+                </a:solidFill>
+              </a:rPr>
+              <a:t>System</a:t>
+            </a:r>
+          </a:p>
+          <a:p>
+            <a:pPr algn="ctr" eaLnBrk="1" hangingPunct="1">
+              <a:spcBef>
+                <a:spcPct val="0"/>
+              </a:spcBef>
+              <a:buSzTx/>
+              <a:buNone/>
+            </a:pPr>
+            <a:r>
+              <a:rPr lang="en-US" sz="1200" dirty="0">
+                <a:solidFill>
+                  <a:srgbClr val="000000"/>
+                </a:solidFill>
+              </a:rPr>
               <a:t>Requirement</a:t>
             </a:r>
           </a:p>
         </p:txBody>
       </p:sp>
-      <p:cxnSp>
-        <p:nvCxnSpPr>
-          <p:cNvPr id="17" name="AutoShape 15"/>
-          <p:cNvCxnSpPr>
-            <a:cxnSpLocks noChangeShapeType="1"/>
-            <a:stCxn id="6" idx="2"/>
-            <a:endCxn id="16" idx="0"/>
-          </p:cNvCxnSpPr>
-          <p:nvPr/>
-        </p:nvCxnSpPr>
-        <p:spPr bwMode="auto">
-          <a:xfrm rot="16200000" flipH="1">
-            <a:off x="1500188" y="2576512"/>
-            <a:ext cx="381000" cy="1323975"/>
-          </a:xfrm>
-          <a:prstGeom prst="curvedConnector3">
-            <a:avLst>
-              <a:gd name="adj1" fmla="val 50000"/>
-            </a:avLst>
-          </a:prstGeom>
-          <a:noFill/>
-          <a:ln w="9525">
-            <a:solidFill>
-              <a:schemeClr val="bg1"/>
-            </a:solidFill>
-            <a:round/>
-            <a:headEnd type="triangle" w="med" len="med"/>
-            <a:tailEnd type="triangle" w="med" len="med"/>
-          </a:ln>
-          <a:effectLst/>
-        </p:spPr>
-      </p:cxnSp>
-      <p:cxnSp>
-        <p:nvCxnSpPr>
-          <p:cNvPr id="19" name="AutoShape 17"/>
-          <p:cNvCxnSpPr>
-            <a:cxnSpLocks noChangeShapeType="1"/>
-            <a:stCxn id="13" idx="2"/>
-            <a:endCxn id="18" idx="1"/>
-          </p:cNvCxnSpPr>
-          <p:nvPr/>
-        </p:nvCxnSpPr>
-        <p:spPr bwMode="auto">
-          <a:xfrm rot="5400000">
-            <a:off x="3543300" y="3238500"/>
-            <a:ext cx="800100" cy="419100"/>
-          </a:xfrm>
-          <a:prstGeom prst="curvedConnector4">
-            <a:avLst>
-              <a:gd name="adj1" fmla="val 28569"/>
-              <a:gd name="adj2" fmla="val 154546"/>
-            </a:avLst>
-          </a:prstGeom>
-          <a:noFill/>
-          <a:ln w="9525">
-            <a:solidFill>
-              <a:schemeClr val="bg1"/>
-            </a:solidFill>
-            <a:round/>
-            <a:headEnd type="triangle" w="med" len="med"/>
-            <a:tailEnd type="triangle" w="med" len="med"/>
-          </a:ln>
-          <a:effectLst/>
-        </p:spPr>
-      </p:cxnSp>
-      <p:sp>
-        <p:nvSpPr>
-          <p:cNvPr id="20" name="Rectangle 18"/>
+      <p:sp>
+        <p:nvSpPr>
+          <p:cNvPr id="58" name="Rectangle 3"/>
           <p:cNvSpPr>
             <a:spLocks noChangeArrowheads="1"/>
           </p:cNvSpPr>
@@ -14023,230 +13615,8 @@
         </p:nvSpPr>
         <p:spPr bwMode="auto">
           <a:xfrm>
-            <a:off x="152400" y="4724400"/>
-            <a:ext cx="838200" cy="685800"/>
-          </a:xfrm>
-          <a:prstGeom prst="rect">
-            <a:avLst/>
-          </a:prstGeom>
-          <a:solidFill>
-            <a:srgbClr val="3366FF"/>
-          </a:solidFill>
-          <a:ln w="9525">
-            <a:solidFill>
-              <a:schemeClr val="tx1"/>
-            </a:solidFill>
-            <a:miter lim="800000"/>
-            <a:headEnd/>
-            <a:tailEnd/>
-          </a:ln>
-          <a:effectLst/>
-        </p:spPr>
-        <p:txBody>
-          <a:bodyPr wrap="none" anchor="ctr"/>
-          <a:lstStyle/>
-          <a:p>
-            <a:pPr algn="ctr"/>
-            <a:r>
-              <a:rPr lang="en-US" sz="1600"/>
-              <a:t>Code</a:t>
-            </a:r>
-          </a:p>
-          <a:p>
-            <a:pPr algn="ctr"/>
-            <a:r>
-              <a:rPr lang="en-US" sz="1600"/>
-              <a:t>Unit</a:t>
-            </a:r>
-          </a:p>
-        </p:txBody>
-      </p:sp>
-      <p:sp>
-        <p:nvSpPr>
-          <p:cNvPr id="21" name="Rectangle 19"/>
-          <p:cNvSpPr>
-            <a:spLocks noChangeArrowheads="1"/>
-          </p:cNvSpPr>
-          <p:nvPr/>
-        </p:nvSpPr>
-        <p:spPr bwMode="auto">
-          <a:xfrm>
-            <a:off x="1143000" y="5562600"/>
-            <a:ext cx="838200" cy="685800"/>
-          </a:xfrm>
-          <a:prstGeom prst="rect">
-            <a:avLst/>
-          </a:prstGeom>
-          <a:solidFill>
-            <a:srgbClr val="3366FF"/>
-          </a:solidFill>
-          <a:ln w="9525">
-            <a:solidFill>
-              <a:schemeClr val="tx1"/>
-            </a:solidFill>
-            <a:miter lim="800000"/>
-            <a:headEnd/>
-            <a:tailEnd/>
-          </a:ln>
-          <a:effectLst/>
-        </p:spPr>
-        <p:txBody>
-          <a:bodyPr wrap="none" anchor="ctr"/>
-          <a:lstStyle/>
-          <a:p>
-            <a:pPr algn="ctr"/>
-            <a:r>
-              <a:rPr lang="en-US" sz="1600"/>
-              <a:t>Code</a:t>
-            </a:r>
-          </a:p>
-          <a:p>
-            <a:pPr algn="ctr"/>
-            <a:r>
-              <a:rPr lang="en-US" sz="1600"/>
-              <a:t>Unit</a:t>
-            </a:r>
-          </a:p>
-        </p:txBody>
-      </p:sp>
-      <p:sp>
-        <p:nvSpPr>
-          <p:cNvPr id="22" name="Rectangle 20"/>
-          <p:cNvSpPr>
-            <a:spLocks noChangeArrowheads="1"/>
-          </p:cNvSpPr>
-          <p:nvPr/>
-        </p:nvSpPr>
-        <p:spPr bwMode="auto">
-          <a:xfrm>
-            <a:off x="1905000" y="4724400"/>
-            <a:ext cx="1047750" cy="685800"/>
-          </a:xfrm>
-          <a:prstGeom prst="rect">
-            <a:avLst/>
-          </a:prstGeom>
-          <a:solidFill>
-            <a:srgbClr val="CC99FF"/>
-          </a:solidFill>
-          <a:ln w="9525">
-            <a:solidFill>
-              <a:schemeClr val="tx1"/>
-            </a:solidFill>
-            <a:miter lim="800000"/>
-            <a:headEnd/>
-            <a:tailEnd/>
-          </a:ln>
-          <a:effectLst/>
-        </p:spPr>
-        <p:txBody>
-          <a:bodyPr wrap="none" anchor="ctr"/>
-          <a:lstStyle/>
-          <a:p>
-            <a:pPr algn="ctr"/>
-            <a:r>
-              <a:rPr lang="en-US" sz="1600" dirty="0"/>
-              <a:t>Automated</a:t>
-            </a:r>
-          </a:p>
-          <a:p>
-            <a:pPr algn="ctr"/>
-            <a:r>
-              <a:rPr lang="en-US" sz="1600" dirty="0"/>
-              <a:t>Test</a:t>
-            </a:r>
-          </a:p>
-        </p:txBody>
-      </p:sp>
-      <p:sp>
-        <p:nvSpPr>
-          <p:cNvPr id="23" name="Rectangle 22"/>
-          <p:cNvSpPr>
-            <a:spLocks noChangeArrowheads="1"/>
-          </p:cNvSpPr>
-          <p:nvPr/>
-        </p:nvSpPr>
-        <p:spPr bwMode="auto">
-          <a:xfrm>
-            <a:off x="3352800" y="4724400"/>
-            <a:ext cx="1066800" cy="609600"/>
-          </a:xfrm>
-          <a:prstGeom prst="rect">
-            <a:avLst/>
-          </a:prstGeom>
-          <a:solidFill>
-            <a:srgbClr val="CC99FF"/>
-          </a:solidFill>
-          <a:ln w="9525">
-            <a:solidFill>
-              <a:schemeClr val="tx1"/>
-            </a:solidFill>
-            <a:miter lim="800000"/>
-            <a:headEnd/>
-            <a:tailEnd/>
-          </a:ln>
-          <a:effectLst/>
-        </p:spPr>
-        <p:txBody>
-          <a:bodyPr wrap="none" anchor="ctr"/>
-          <a:lstStyle/>
-          <a:p>
-            <a:pPr algn="ctr"/>
-            <a:r>
-              <a:rPr lang="en-US" sz="1600"/>
-              <a:t>Test</a:t>
-            </a:r>
-          </a:p>
-          <a:p>
-            <a:pPr algn="ctr"/>
-            <a:r>
-              <a:rPr lang="en-US" sz="1600"/>
-              <a:t>Procedure</a:t>
-            </a:r>
-          </a:p>
-        </p:txBody>
-      </p:sp>
-      <p:cxnSp>
-        <p:nvCxnSpPr>
-          <p:cNvPr id="24" name="AutoShape 23"/>
-          <p:cNvCxnSpPr>
-            <a:cxnSpLocks noChangeShapeType="1"/>
-          </p:cNvCxnSpPr>
-          <p:nvPr/>
-        </p:nvCxnSpPr>
-        <p:spPr bwMode="auto">
-          <a:xfrm rot="5400000">
-            <a:off x="228600" y="4191000"/>
-            <a:ext cx="609600" cy="457200"/>
-          </a:xfrm>
-          <a:prstGeom prst="curvedConnector3">
-            <a:avLst>
-              <a:gd name="adj1" fmla="val 50000"/>
-            </a:avLst>
-          </a:prstGeom>
-          <a:noFill/>
-          <a:ln w="9525">
-            <a:solidFill>
-              <a:schemeClr val="bg1"/>
-            </a:solidFill>
-            <a:round/>
-            <a:headEnd type="triangle" w="med" len="med"/>
-            <a:tailEnd type="triangle" w="med" len="med"/>
-          </a:ln>
-          <a:effectLst/>
-        </p:spPr>
-      </p:cxnSp>
-      <p:sp>
-        <p:nvSpPr>
-          <p:cNvPr id="25" name="Rectangle 24"/>
-          <p:cNvSpPr>
-            <a:spLocks noChangeArrowheads="1"/>
-          </p:cNvSpPr>
-          <p:nvPr/>
-        </p:nvSpPr>
-        <p:spPr bwMode="auto">
-          <a:xfrm>
-            <a:off x="228600" y="3429000"/>
-            <a:ext cx="1295400" cy="685800"/>
+            <a:off x="3720353" y="3151092"/>
+            <a:ext cx="1120589" cy="605120"/>
           </a:xfrm>
           <a:prstGeom prst="rect">
             <a:avLst/>
@@ -14268,170 +13638,44 @@
           <a:bodyPr wrap="none" anchor="ctr"/>
           <a:lstStyle/>
           <a:p>
-            <a:pPr algn="ctr"/>
-            <a:r>
-              <a:rPr lang="en-US" sz="1600" dirty="0"/>
-              <a:t>Software</a:t>
-            </a:r>
-          </a:p>
-          <a:p>
-            <a:pPr algn="ctr"/>
-            <a:r>
-              <a:rPr lang="en-US" sz="1600" dirty="0"/>
-              <a:t>Requirement</a:t>
-            </a:r>
-          </a:p>
-        </p:txBody>
-      </p:sp>
-      <p:cxnSp>
-        <p:nvCxnSpPr>
-          <p:cNvPr id="26" name="AutoShape 25"/>
-          <p:cNvCxnSpPr>
-            <a:cxnSpLocks noChangeShapeType="1"/>
-            <a:endCxn id="21" idx="0"/>
-          </p:cNvCxnSpPr>
-          <p:nvPr/>
-        </p:nvCxnSpPr>
-        <p:spPr bwMode="auto">
-          <a:xfrm rot="16200000" flipH="1">
-            <a:off x="628650" y="4629150"/>
-            <a:ext cx="1447800" cy="419100"/>
-          </a:xfrm>
-          <a:prstGeom prst="curvedConnector3">
-            <a:avLst>
-              <a:gd name="adj1" fmla="val 18968"/>
-            </a:avLst>
-          </a:prstGeom>
-          <a:noFill/>
-          <a:ln w="9525">
-            <a:solidFill>
-              <a:schemeClr val="bg1"/>
-            </a:solidFill>
-            <a:round/>
-            <a:headEnd type="triangle" w="med" len="med"/>
-            <a:tailEnd type="triangle" w="med" len="med"/>
-          </a:ln>
-          <a:effectLst/>
-        </p:spPr>
-      </p:cxnSp>
-      <p:cxnSp>
-        <p:nvCxnSpPr>
-          <p:cNvPr id="28" name="AutoShape 27"/>
-          <p:cNvCxnSpPr>
-            <a:cxnSpLocks noChangeShapeType="1"/>
-            <a:stCxn id="23" idx="0"/>
-          </p:cNvCxnSpPr>
-          <p:nvPr/>
-        </p:nvCxnSpPr>
-        <p:spPr bwMode="auto">
-          <a:xfrm rot="5400000" flipH="1">
-            <a:off x="2552700" y="3390900"/>
-            <a:ext cx="1676400" cy="990600"/>
-          </a:xfrm>
-          <a:prstGeom prst="curvedConnector3">
-            <a:avLst>
-              <a:gd name="adj1" fmla="val 48861"/>
-            </a:avLst>
-          </a:prstGeom>
-          <a:noFill/>
-          <a:ln w="9525">
-            <a:solidFill>
-              <a:schemeClr val="bg1"/>
-            </a:solidFill>
-            <a:round/>
-            <a:headEnd type="triangle" w="med" len="med"/>
-            <a:tailEnd type="triangle" w="med" len="med"/>
-          </a:ln>
-          <a:effectLst/>
-        </p:spPr>
-      </p:cxnSp>
-      <p:sp>
-        <p:nvSpPr>
-          <p:cNvPr id="29" name="Text Box 29"/>
-          <p:cNvSpPr txBox="1">
-            <a:spLocks noChangeArrowheads="1"/>
-          </p:cNvSpPr>
-          <p:nvPr/>
-        </p:nvSpPr>
-        <p:spPr bwMode="auto">
-          <a:xfrm>
-            <a:off x="1047750" y="852488"/>
-            <a:ext cx="3150542" cy="400110"/>
-          </a:xfrm>
-          <a:prstGeom prst="rect">
-            <a:avLst/>
-          </a:prstGeom>
-          <a:noFill/>
-          <a:ln w="9525">
-            <a:noFill/>
-            <a:miter lim="800000"/>
-            <a:headEnd/>
-            <a:tailEnd/>
-          </a:ln>
-          <a:effectLst/>
-        </p:spPr>
-        <p:txBody>
-          <a:bodyPr wrap="none">
-            <a:spAutoFit/>
-          </a:bodyPr>
-          <a:lstStyle/>
-          <a:p>
-            <a:r>
-              <a:rPr lang="en-US" sz="2000" dirty="0">
+            <a:pPr algn="ctr" eaLnBrk="1" hangingPunct="1">
+              <a:spcBef>
+                <a:spcPct val="0"/>
+              </a:spcBef>
+              <a:buSzTx/>
+              <a:buNone/>
+            </a:pPr>
+            <a:r>
+              <a:rPr lang="en-US" sz="1200" dirty="0">
                 <a:solidFill>
-                  <a:schemeClr val="bg1"/>
+                  <a:srgbClr val="000000"/>
                 </a:solidFill>
               </a:rPr>
-              <a:t>Requirements Traceability</a:t>
-            </a:r>
-          </a:p>
-        </p:txBody>
-      </p:sp>
-      <p:sp>
-        <p:nvSpPr>
-          <p:cNvPr id="30" name="Text Box 30"/>
-          <p:cNvSpPr txBox="1">
-            <a:spLocks noChangeArrowheads="1"/>
-          </p:cNvSpPr>
-          <p:nvPr/>
-        </p:nvSpPr>
-        <p:spPr bwMode="auto">
-          <a:xfrm>
-            <a:off x="5562600" y="914400"/>
-            <a:ext cx="2836033" cy="400110"/>
-          </a:xfrm>
-          <a:prstGeom prst="rect">
-            <a:avLst/>
-          </a:prstGeom>
-          <a:noFill/>
-          <a:ln w="9525">
-            <a:noFill/>
-            <a:miter lim="800000"/>
-            <a:headEnd/>
-            <a:tailEnd/>
-          </a:ln>
-          <a:effectLst/>
-        </p:spPr>
-        <p:txBody>
-          <a:bodyPr wrap="none">
-            <a:spAutoFit/>
-          </a:bodyPr>
-          <a:lstStyle/>
-          <a:p>
-            <a:r>
-              <a:rPr lang="en-US" sz="2000" dirty="0">
+              <a:t>Subsystem</a:t>
+            </a:r>
+          </a:p>
+          <a:p>
+            <a:pPr algn="ctr" eaLnBrk="1" hangingPunct="1">
+              <a:spcBef>
+                <a:spcPct val="0"/>
+              </a:spcBef>
+              <a:buSzTx/>
+              <a:buNone/>
+            </a:pPr>
+            <a:r>
+              <a:rPr lang="en-US" sz="1200" dirty="0">
                 <a:solidFill>
-                  <a:schemeClr val="bg1"/>
+                  <a:srgbClr val="000000"/>
                 </a:solidFill>
               </a:rPr>
-              <a:t>Product Decomposition</a:t>
-            </a:r>
-          </a:p>
-        </p:txBody>
-      </p:sp>
-      <p:sp>
-        <p:nvSpPr>
-          <p:cNvPr id="31" name="Rectangle 31"/>
+              <a:t>Requirement</a:t>
+            </a:r>
+          </a:p>
+        </p:txBody>
+      </p:sp>
+      <p:sp>
+        <p:nvSpPr>
+          <p:cNvPr id="61" name="Rectangle 31"/>
           <p:cNvSpPr>
             <a:spLocks noChangeArrowheads="1"/>
           </p:cNvSpPr>
@@ -14439,8 +13683,8 @@
         </p:nvSpPr>
         <p:spPr bwMode="auto">
           <a:xfrm>
-            <a:off x="6858000" y="1524000"/>
-            <a:ext cx="609600" cy="457200"/>
+            <a:off x="6266331" y="1425387"/>
+            <a:ext cx="1156446" cy="672353"/>
           </a:xfrm>
           <a:prstGeom prst="rect">
             <a:avLst/>
@@ -14462,17 +13706,33 @@
           <a:bodyPr wrap="none" anchor="ctr"/>
           <a:lstStyle/>
           <a:p>
-            <a:pPr algn="ctr"/>
-            <a:r>
-              <a:rPr lang="en-US" sz="1600"/>
-              <a:t>XYZ</a:t>
-            </a:r>
-          </a:p>
-        </p:txBody>
-      </p:sp>
-      <p:sp>
-        <p:nvSpPr>
-          <p:cNvPr id="32" name="Rectangle 32"/>
+            <a:pPr algn="ctr" eaLnBrk="1" hangingPunct="1">
+              <a:spcBef>
+                <a:spcPct val="0"/>
+              </a:spcBef>
+              <a:buSzTx/>
+              <a:buFontTx/>
+              <a:buNone/>
+            </a:pPr>
+            <a:r>
+              <a:rPr lang="en-US" sz="1200" dirty="0" smtClean="0">
+                <a:solidFill>
+                  <a:srgbClr val="000000"/>
+                </a:solidFill>
+              </a:rPr>
+              <a:t>System</a:t>
+            </a:r>
+            <a:endParaRPr lang="en-US" sz="1200" dirty="0">
+              <a:solidFill>
+                <a:srgbClr val="000000"/>
+              </a:solidFill>
+            </a:endParaRPr>
+          </a:p>
+        </p:txBody>
+      </p:sp>
+      <p:sp>
+        <p:nvSpPr>
+          <p:cNvPr id="62" name="Rectangle 32"/>
           <p:cNvSpPr>
             <a:spLocks noChangeArrowheads="1"/>
           </p:cNvSpPr>
@@ -14480,8 +13740,8 @@
         </p:nvSpPr>
         <p:spPr bwMode="auto">
           <a:xfrm>
-            <a:off x="6324600" y="2514600"/>
-            <a:ext cx="609600" cy="457200"/>
+            <a:off x="5988423" y="3151092"/>
+            <a:ext cx="860611" cy="587189"/>
           </a:xfrm>
           <a:prstGeom prst="rect">
             <a:avLst/>
@@ -14503,17 +13763,33 @@
           <a:bodyPr wrap="none" anchor="ctr"/>
           <a:lstStyle/>
           <a:p>
-            <a:pPr algn="ctr"/>
-            <a:r>
-              <a:rPr lang="en-US" sz="1600" dirty="0"/>
-              <a:t>NAV</a:t>
-            </a:r>
-          </a:p>
-        </p:txBody>
-      </p:sp>
-      <p:sp>
-        <p:nvSpPr>
-          <p:cNvPr id="33" name="Rectangle 33"/>
+            <a:pPr algn="ctr" eaLnBrk="1" hangingPunct="1">
+              <a:spcBef>
+                <a:spcPct val="0"/>
+              </a:spcBef>
+              <a:buSzTx/>
+              <a:buFontTx/>
+              <a:buNone/>
+            </a:pPr>
+            <a:r>
+              <a:rPr lang="en-US" sz="1200" dirty="0" smtClean="0">
+                <a:solidFill>
+                  <a:srgbClr val="000000"/>
+                </a:solidFill>
+              </a:rPr>
+              <a:t>Subsystem</a:t>
+            </a:r>
+            <a:endParaRPr lang="en-US" sz="1200" dirty="0">
+              <a:solidFill>
+                <a:srgbClr val="000000"/>
+              </a:solidFill>
+            </a:endParaRPr>
+          </a:p>
+        </p:txBody>
+      </p:sp>
+      <p:sp>
+        <p:nvSpPr>
+          <p:cNvPr id="63" name="Rectangle 33"/>
           <p:cNvSpPr>
             <a:spLocks noChangeArrowheads="1"/>
           </p:cNvSpPr>
@@ -14521,8 +13797,8 @@
         </p:nvSpPr>
         <p:spPr bwMode="auto">
           <a:xfrm>
-            <a:off x="7391400" y="2514600"/>
-            <a:ext cx="685800" cy="447675"/>
+            <a:off x="7194174" y="3151092"/>
+            <a:ext cx="829235" cy="568698"/>
           </a:xfrm>
           <a:prstGeom prst="rect">
             <a:avLst/>
@@ -14544,129 +13820,33 @@
           <a:bodyPr wrap="none" anchor="ctr"/>
           <a:lstStyle/>
           <a:p>
-            <a:pPr algn="ctr"/>
-            <a:r>
-              <a:rPr lang="en-US" sz="1600"/>
-              <a:t>COM</a:t>
-            </a:r>
-          </a:p>
-        </p:txBody>
-      </p:sp>
-      <p:sp>
-        <p:nvSpPr>
-          <p:cNvPr id="34" name="Text Box 34"/>
-          <p:cNvSpPr txBox="1">
-            <a:spLocks noChangeArrowheads="1"/>
-          </p:cNvSpPr>
-          <p:nvPr/>
-        </p:nvSpPr>
-        <p:spPr bwMode="auto">
-          <a:xfrm>
-            <a:off x="6978650" y="2514600"/>
-            <a:ext cx="412750" cy="366713"/>
-          </a:xfrm>
-          <a:prstGeom prst="rect">
-            <a:avLst/>
-          </a:prstGeom>
-          <a:noFill/>
-          <a:ln w="9525">
-            <a:noFill/>
-            <a:miter lim="800000"/>
-            <a:headEnd/>
-            <a:tailEnd/>
-          </a:ln>
-          <a:effectLst/>
-        </p:spPr>
-        <p:txBody>
-          <a:bodyPr wrap="none">
-            <a:spAutoFit/>
-          </a:bodyPr>
-          <a:lstStyle/>
-          <a:p>
-            <a:r>
-              <a:rPr lang="en-US">
+            <a:pPr algn="ctr" eaLnBrk="1" hangingPunct="1">
+              <a:spcBef>
+                <a:spcPct val="0"/>
+              </a:spcBef>
+              <a:buSzTx/>
+              <a:buFontTx/>
+              <a:buNone/>
+            </a:pPr>
+            <a:r>
+              <a:rPr lang="en-US" sz="1200" dirty="0" smtClean="0">
                 <a:solidFill>
-                  <a:schemeClr val="bg1"/>
+                  <a:srgbClr val="000000"/>
                 </a:solidFill>
               </a:rPr>
-              <a:t>…</a:t>
-            </a:r>
-          </a:p>
-        </p:txBody>
-      </p:sp>
-      <p:sp>
-        <p:nvSpPr>
-          <p:cNvPr id="35" name="Line 35"/>
-          <p:cNvSpPr>
-            <a:spLocks noChangeShapeType="1"/>
-          </p:cNvSpPr>
-          <p:nvPr/>
-        </p:nvSpPr>
-        <p:spPr bwMode="auto">
-          <a:xfrm flipH="1">
-            <a:off x="6477000" y="1981200"/>
-            <a:ext cx="685800" cy="533400"/>
-          </a:xfrm>
-          <a:prstGeom prst="line">
-            <a:avLst/>
-          </a:prstGeom>
-          <a:noFill/>
-          <a:ln w="9525">
-            <a:solidFill>
-              <a:schemeClr val="tx1"/>
-            </a:solidFill>
-            <a:round/>
-            <a:headEnd/>
-            <a:tailEnd type="triangle" w="med" len="med"/>
-          </a:ln>
-          <a:effectLst/>
-        </p:spPr>
-        <p:txBody>
-          <a:bodyPr/>
-          <a:lstStyle/>
-          <a:p>
-            <a:endParaRPr lang="en-US"/>
-          </a:p>
-        </p:txBody>
-      </p:sp>
-      <p:sp>
-        <p:nvSpPr>
-          <p:cNvPr id="36" name="Line 36"/>
-          <p:cNvSpPr>
-            <a:spLocks noChangeShapeType="1"/>
-          </p:cNvSpPr>
-          <p:nvPr/>
-        </p:nvSpPr>
-        <p:spPr bwMode="auto">
-          <a:xfrm>
-            <a:off x="7162800" y="1981200"/>
-            <a:ext cx="762000" cy="533400"/>
-          </a:xfrm>
-          <a:prstGeom prst="line">
-            <a:avLst/>
-          </a:prstGeom>
-          <a:noFill/>
-          <a:ln w="9525">
-            <a:solidFill>
-              <a:schemeClr val="tx1"/>
-            </a:solidFill>
-            <a:round/>
-            <a:headEnd/>
-            <a:tailEnd type="triangle" w="med" len="med"/>
-          </a:ln>
-          <a:effectLst/>
-        </p:spPr>
-        <p:txBody>
-          <a:bodyPr/>
-          <a:lstStyle/>
-          <a:p>
-            <a:endParaRPr lang="en-US"/>
-          </a:p>
-        </p:txBody>
-      </p:sp>
-      <p:sp>
-        <p:nvSpPr>
-          <p:cNvPr id="37" name="Rectangle 37"/>
+              <a:t>Subsystem</a:t>
+            </a:r>
+            <a:endParaRPr lang="en-US" sz="1200" dirty="0">
+              <a:solidFill>
+                <a:srgbClr val="000000"/>
+              </a:solidFill>
+            </a:endParaRPr>
+          </a:p>
+        </p:txBody>
+      </p:sp>
+      <p:sp>
+        <p:nvSpPr>
+          <p:cNvPr id="64" name="Rectangle 37"/>
           <p:cNvSpPr>
             <a:spLocks noChangeArrowheads="1"/>
           </p:cNvSpPr>
@@ -14674,8 +13854,8 @@
         </p:nvSpPr>
         <p:spPr bwMode="auto">
           <a:xfrm>
-            <a:off x="5867400" y="3352800"/>
-            <a:ext cx="609600" cy="457200"/>
+            <a:off x="5773271" y="4849904"/>
+            <a:ext cx="824753" cy="549662"/>
           </a:xfrm>
           <a:prstGeom prst="rect">
             <a:avLst/>
@@ -14697,18 +13877,210 @@
           <a:bodyPr wrap="none" anchor="ctr"/>
           <a:lstStyle/>
           <a:p>
-            <a:pPr algn="ctr"/>
-            <a:r>
-              <a:rPr lang="en-US" sz="1600" dirty="0" smtClean="0"/>
-              <a:t>EG</a:t>
-            </a:r>
-            <a:endParaRPr lang="en-US" sz="1600" dirty="0"/>
-          </a:p>
-        </p:txBody>
-      </p:sp>
-      <p:sp>
-        <p:nvSpPr>
-          <p:cNvPr id="38" name="Rectangle 38"/>
+            <a:pPr algn="ctr" eaLnBrk="1" hangingPunct="1">
+              <a:spcBef>
+                <a:spcPct val="0"/>
+              </a:spcBef>
+              <a:buSzTx/>
+              <a:buFontTx/>
+              <a:buNone/>
+            </a:pPr>
+            <a:r>
+              <a:rPr lang="en-US" sz="1200" dirty="0" smtClean="0">
+                <a:solidFill>
+                  <a:srgbClr val="000000"/>
+                </a:solidFill>
+              </a:rPr>
+              <a:t>Software</a:t>
+            </a:r>
+          </a:p>
+          <a:p>
+            <a:pPr algn="ctr" eaLnBrk="1" hangingPunct="1">
+              <a:spcBef>
+                <a:spcPct val="0"/>
+              </a:spcBef>
+              <a:buSzTx/>
+              <a:buFontTx/>
+              <a:buNone/>
+            </a:pPr>
+            <a:r>
+              <a:rPr lang="en-US" sz="1200" dirty="0" smtClean="0">
+                <a:solidFill>
+                  <a:srgbClr val="000000"/>
+                </a:solidFill>
+              </a:rPr>
+              <a:t>Component</a:t>
+            </a:r>
+            <a:endParaRPr lang="en-US" sz="1200" dirty="0">
+              <a:solidFill>
+                <a:srgbClr val="000000"/>
+              </a:solidFill>
+            </a:endParaRPr>
+          </a:p>
+        </p:txBody>
+      </p:sp>
+      <p:sp>
+        <p:nvSpPr>
+          <p:cNvPr id="65" name="TextBox 64"/>
+          <p:cNvSpPr txBox="1"/>
+          <p:nvPr/>
+        </p:nvSpPr>
+        <p:spPr>
+          <a:xfrm>
+            <a:off x="89646" y="1524000"/>
+            <a:ext cx="1317810" cy="667875"/>
+          </a:xfrm>
+          <a:prstGeom prst="rect">
+            <a:avLst/>
+          </a:prstGeom>
+          <a:noFill/>
+        </p:spPr>
+        <p:txBody>
+          <a:bodyPr wrap="square" rtlCol="0">
+            <a:spAutoFit/>
+          </a:bodyPr>
+          <a:lstStyle/>
+          <a:p>
+            <a:pPr>
+              <a:buNone/>
+            </a:pPr>
+            <a:r>
+              <a:rPr lang="en-US" sz="1100" dirty="0" smtClean="0"/>
+              <a:t>Tier 1:</a:t>
+            </a:r>
+          </a:p>
+          <a:p>
+            <a:pPr>
+              <a:buNone/>
+            </a:pPr>
+            <a:r>
+              <a:rPr lang="en-US" sz="1100" dirty="0" smtClean="0"/>
+              <a:t>System </a:t>
+            </a:r>
+          </a:p>
+          <a:p>
+            <a:endParaRPr lang="en-US" sz="1100" dirty="0"/>
+          </a:p>
+        </p:txBody>
+      </p:sp>
+      <p:sp>
+        <p:nvSpPr>
+          <p:cNvPr id="66" name="TextBox 65"/>
+          <p:cNvSpPr txBox="1"/>
+          <p:nvPr/>
+        </p:nvSpPr>
+        <p:spPr>
+          <a:xfrm>
+            <a:off x="89646" y="4482353"/>
+            <a:ext cx="1084728" cy="667875"/>
+          </a:xfrm>
+          <a:prstGeom prst="rect">
+            <a:avLst/>
+          </a:prstGeom>
+          <a:noFill/>
+        </p:spPr>
+        <p:txBody>
+          <a:bodyPr wrap="square" rtlCol="0">
+            <a:spAutoFit/>
+          </a:bodyPr>
+          <a:lstStyle/>
+          <a:p>
+            <a:pPr>
+              <a:buNone/>
+            </a:pPr>
+            <a:r>
+              <a:rPr lang="en-US" sz="1100" dirty="0" smtClean="0"/>
+              <a:t>Tier 3:</a:t>
+            </a:r>
+          </a:p>
+          <a:p>
+            <a:pPr>
+              <a:buNone/>
+            </a:pPr>
+            <a:r>
+              <a:rPr lang="en-US" sz="1100" dirty="0" smtClean="0"/>
+              <a:t>Component</a:t>
+            </a:r>
+          </a:p>
+          <a:p>
+            <a:endParaRPr lang="en-US" sz="1100" dirty="0"/>
+          </a:p>
+        </p:txBody>
+      </p:sp>
+      <p:sp>
+        <p:nvSpPr>
+          <p:cNvPr id="67" name="TextBox 66"/>
+          <p:cNvSpPr txBox="1"/>
+          <p:nvPr/>
+        </p:nvSpPr>
+        <p:spPr>
+          <a:xfrm>
+            <a:off x="89646" y="2994212"/>
+            <a:ext cx="1515036" cy="667875"/>
+          </a:xfrm>
+          <a:prstGeom prst="rect">
+            <a:avLst/>
+          </a:prstGeom>
+          <a:noFill/>
+        </p:spPr>
+        <p:txBody>
+          <a:bodyPr wrap="square" rtlCol="0">
+            <a:spAutoFit/>
+          </a:bodyPr>
+          <a:lstStyle/>
+          <a:p>
+            <a:pPr>
+              <a:buNone/>
+            </a:pPr>
+            <a:r>
+              <a:rPr lang="en-US" sz="1100" dirty="0" smtClean="0"/>
+              <a:t>Tier 2:</a:t>
+            </a:r>
+          </a:p>
+          <a:p>
+            <a:pPr>
+              <a:buNone/>
+            </a:pPr>
+            <a:r>
+              <a:rPr lang="en-US" sz="1100" dirty="0" smtClean="0"/>
+              <a:t>Subsystem</a:t>
+            </a:r>
+          </a:p>
+          <a:p>
+            <a:endParaRPr lang="en-US" sz="1100" dirty="0"/>
+          </a:p>
+        </p:txBody>
+      </p:sp>
+      <p:cxnSp>
+        <p:nvCxnSpPr>
+          <p:cNvPr id="68" name="Straight Connector 67"/>
+          <p:cNvCxnSpPr/>
+          <p:nvPr/>
+        </p:nvCxnSpPr>
+        <p:spPr bwMode="auto">
+          <a:xfrm flipH="1">
+            <a:off x="439271" y="2814917"/>
+            <a:ext cx="8534400" cy="1"/>
+          </a:xfrm>
+          <a:prstGeom prst="line">
+            <a:avLst/>
+          </a:prstGeom>
+          <a:noFill/>
+          <a:ln w="19050" cap="flat" cmpd="sng" algn="ctr">
+            <a:solidFill>
+              <a:srgbClr val="4896A8"/>
+            </a:solidFill>
+            <a:prstDash val="dash"/>
+            <a:round/>
+            <a:headEnd type="none" w="med" len="med"/>
+            <a:tailEnd type="none" w="med" len="med"/>
+          </a:ln>
+          <a:effectLst/>
+        </p:spPr>
+      </p:cxnSp>
+      <p:sp>
+        <p:nvSpPr>
+          <p:cNvPr id="69" name="Rectangle 16"/>
           <p:cNvSpPr>
             <a:spLocks noChangeArrowheads="1"/>
           </p:cNvSpPr>
@@ -14716,8 +14088,354 @@
         </p:nvSpPr>
         <p:spPr bwMode="auto">
           <a:xfrm>
-            <a:off x="6629400" y="3352800"/>
-            <a:ext cx="609600" cy="457200"/>
+            <a:off x="1945342" y="2124630"/>
+            <a:ext cx="878540" cy="546851"/>
+          </a:xfrm>
+          <a:prstGeom prst="rect">
+            <a:avLst/>
+          </a:prstGeom>
+          <a:solidFill>
+            <a:srgbClr val="C0C0C0"/>
+          </a:solidFill>
+          <a:ln w="9525">
+            <a:solidFill>
+              <a:schemeClr val="tx1"/>
+            </a:solidFill>
+            <a:miter lim="800000"/>
+            <a:headEnd/>
+            <a:tailEnd/>
+          </a:ln>
+          <a:effectLst/>
+        </p:spPr>
+        <p:txBody>
+          <a:bodyPr wrap="none" anchor="ctr"/>
+          <a:lstStyle/>
+          <a:p>
+            <a:pPr algn="ctr" eaLnBrk="1" hangingPunct="1">
+              <a:spcBef>
+                <a:spcPct val="0"/>
+              </a:spcBef>
+              <a:buSzTx/>
+              <a:buFontTx/>
+              <a:buNone/>
+            </a:pPr>
+            <a:endParaRPr lang="en-US" sz="1600" dirty="0" smtClean="0">
+              <a:solidFill>
+                <a:srgbClr val="000000"/>
+              </a:solidFill>
+            </a:endParaRPr>
+          </a:p>
+          <a:p>
+            <a:pPr algn="ctr" eaLnBrk="1" hangingPunct="1">
+              <a:spcBef>
+                <a:spcPct val="0"/>
+              </a:spcBef>
+              <a:buSzTx/>
+              <a:buFontTx/>
+              <a:buNone/>
+            </a:pPr>
+            <a:r>
+              <a:rPr lang="en-US" sz="1200" dirty="0" smtClean="0">
+                <a:solidFill>
+                  <a:srgbClr val="000000"/>
+                </a:solidFill>
+              </a:rPr>
+              <a:t>System</a:t>
+            </a:r>
+            <a:endParaRPr lang="en-US" sz="1200" dirty="0">
+              <a:solidFill>
+                <a:srgbClr val="000000"/>
+              </a:solidFill>
+            </a:endParaRPr>
+          </a:p>
+          <a:p>
+            <a:pPr algn="ctr" eaLnBrk="1" hangingPunct="1">
+              <a:spcBef>
+                <a:spcPct val="0"/>
+              </a:spcBef>
+              <a:buSzTx/>
+              <a:buFontTx/>
+              <a:buNone/>
+            </a:pPr>
+            <a:r>
+              <a:rPr lang="en-US" sz="1200" dirty="0" smtClean="0">
+                <a:solidFill>
+                  <a:srgbClr val="000000"/>
+                </a:solidFill>
+              </a:rPr>
+              <a:t>Design</a:t>
+            </a:r>
+          </a:p>
+          <a:p>
+            <a:pPr algn="ctr" eaLnBrk="1" hangingPunct="1">
+              <a:spcBef>
+                <a:spcPct val="0"/>
+              </a:spcBef>
+              <a:buSzTx/>
+              <a:buFontTx/>
+              <a:buNone/>
+            </a:pPr>
+            <a:endParaRPr lang="en-US" sz="1600" dirty="0">
+              <a:solidFill>
+                <a:srgbClr val="000000"/>
+              </a:solidFill>
+            </a:endParaRPr>
+          </a:p>
+        </p:txBody>
+      </p:sp>
+      <p:sp>
+        <p:nvSpPr>
+          <p:cNvPr id="70" name="Rectangle 16"/>
+          <p:cNvSpPr>
+            <a:spLocks noChangeArrowheads="1"/>
+          </p:cNvSpPr>
+          <p:nvPr/>
+        </p:nvSpPr>
+        <p:spPr bwMode="auto">
+          <a:xfrm>
+            <a:off x="1004047" y="1425387"/>
+            <a:ext cx="878541" cy="591671"/>
+          </a:xfrm>
+          <a:prstGeom prst="rect">
+            <a:avLst/>
+          </a:prstGeom>
+          <a:solidFill>
+            <a:srgbClr val="C0C0C0"/>
+          </a:solidFill>
+          <a:ln w="9525">
+            <a:solidFill>
+              <a:schemeClr val="tx1"/>
+            </a:solidFill>
+            <a:miter lim="800000"/>
+            <a:headEnd/>
+            <a:tailEnd/>
+          </a:ln>
+          <a:effectLst/>
+        </p:spPr>
+        <p:txBody>
+          <a:bodyPr wrap="none" anchor="ctr"/>
+          <a:lstStyle/>
+          <a:p>
+            <a:pPr algn="ctr" eaLnBrk="1" hangingPunct="1">
+              <a:spcBef>
+                <a:spcPct val="0"/>
+              </a:spcBef>
+              <a:buSzTx/>
+              <a:buFontTx/>
+              <a:buNone/>
+            </a:pPr>
+            <a:endParaRPr lang="en-US" sz="1600" dirty="0" smtClean="0">
+              <a:solidFill>
+                <a:srgbClr val="000000"/>
+              </a:solidFill>
+            </a:endParaRPr>
+          </a:p>
+          <a:p>
+            <a:pPr algn="ctr" eaLnBrk="1" hangingPunct="1">
+              <a:spcBef>
+                <a:spcPct val="0"/>
+              </a:spcBef>
+              <a:buSzTx/>
+              <a:buFontTx/>
+              <a:buNone/>
+            </a:pPr>
+            <a:r>
+              <a:rPr lang="en-US" sz="1200" dirty="0" smtClean="0">
+                <a:solidFill>
+                  <a:srgbClr val="000000"/>
+                </a:solidFill>
+              </a:rPr>
+              <a:t>System</a:t>
+            </a:r>
+            <a:endParaRPr lang="en-US" sz="1200" dirty="0">
+              <a:solidFill>
+                <a:srgbClr val="000000"/>
+              </a:solidFill>
+            </a:endParaRPr>
+          </a:p>
+          <a:p>
+            <a:pPr algn="ctr" eaLnBrk="1" hangingPunct="1">
+              <a:spcBef>
+                <a:spcPct val="0"/>
+              </a:spcBef>
+              <a:buSzTx/>
+              <a:buFontTx/>
+              <a:buNone/>
+            </a:pPr>
+            <a:r>
+              <a:rPr lang="en-US" sz="1200" dirty="0" smtClean="0">
+                <a:solidFill>
+                  <a:srgbClr val="000000"/>
+                </a:solidFill>
+              </a:rPr>
+              <a:t>Function</a:t>
+            </a:r>
+          </a:p>
+          <a:p>
+            <a:pPr algn="ctr" eaLnBrk="1" hangingPunct="1">
+              <a:spcBef>
+                <a:spcPct val="0"/>
+              </a:spcBef>
+              <a:buSzTx/>
+              <a:buFontTx/>
+              <a:buNone/>
+            </a:pPr>
+            <a:endParaRPr lang="en-US" sz="1600" dirty="0">
+              <a:solidFill>
+                <a:srgbClr val="000000"/>
+              </a:solidFill>
+            </a:endParaRPr>
+          </a:p>
+        </p:txBody>
+      </p:sp>
+      <p:sp>
+        <p:nvSpPr>
+          <p:cNvPr id="71" name="Rectangle 70"/>
+          <p:cNvSpPr>
+            <a:spLocks noChangeArrowheads="1"/>
+          </p:cNvSpPr>
+          <p:nvPr/>
+        </p:nvSpPr>
+        <p:spPr bwMode="auto">
+          <a:xfrm>
+            <a:off x="3406588" y="5966010"/>
+            <a:ext cx="914399" cy="614082"/>
+          </a:xfrm>
+          <a:prstGeom prst="rect">
+            <a:avLst/>
+          </a:prstGeom>
+          <a:solidFill>
+            <a:srgbClr val="FFFF99"/>
+          </a:solidFill>
+          <a:ln w="9525">
+            <a:solidFill>
+              <a:schemeClr val="tx1"/>
+            </a:solidFill>
+            <a:miter lim="800000"/>
+            <a:headEnd/>
+            <a:tailEnd/>
+          </a:ln>
+          <a:effectLst/>
+        </p:spPr>
+        <p:txBody>
+          <a:bodyPr wrap="none" anchor="ctr"/>
+          <a:lstStyle/>
+          <a:p>
+            <a:pPr algn="ctr" eaLnBrk="1" hangingPunct="1">
+              <a:spcBef>
+                <a:spcPct val="0"/>
+              </a:spcBef>
+              <a:buSzTx/>
+              <a:buNone/>
+            </a:pPr>
+            <a:r>
+              <a:rPr lang="en-US" sz="1200" dirty="0">
+                <a:solidFill>
+                  <a:srgbClr val="000000"/>
+                </a:solidFill>
+              </a:rPr>
+              <a:t>Hardware</a:t>
+            </a:r>
+          </a:p>
+          <a:p>
+            <a:pPr algn="ctr" eaLnBrk="1" hangingPunct="1">
+              <a:spcBef>
+                <a:spcPct val="0"/>
+              </a:spcBef>
+              <a:buSzTx/>
+              <a:buNone/>
+            </a:pPr>
+            <a:r>
+              <a:rPr lang="en-US" sz="1200" dirty="0">
+                <a:solidFill>
+                  <a:srgbClr val="000000"/>
+                </a:solidFill>
+              </a:rPr>
+              <a:t>Requirement</a:t>
+            </a:r>
+          </a:p>
+        </p:txBody>
+      </p:sp>
+      <p:sp>
+        <p:nvSpPr>
+          <p:cNvPr id="72" name="Rectangle 71"/>
+          <p:cNvSpPr>
+            <a:spLocks noChangeArrowheads="1"/>
+          </p:cNvSpPr>
+          <p:nvPr/>
+        </p:nvSpPr>
+        <p:spPr bwMode="auto">
+          <a:xfrm>
+            <a:off x="4285130" y="4827493"/>
+            <a:ext cx="932330" cy="578225"/>
+          </a:xfrm>
+          <a:prstGeom prst="rect">
+            <a:avLst/>
+          </a:prstGeom>
+          <a:solidFill>
+            <a:srgbClr val="FFFF99"/>
+          </a:solidFill>
+          <a:ln w="9525">
+            <a:solidFill>
+              <a:schemeClr val="tx1"/>
+            </a:solidFill>
+            <a:miter lim="800000"/>
+            <a:headEnd/>
+            <a:tailEnd/>
+          </a:ln>
+          <a:effectLst/>
+        </p:spPr>
+        <p:txBody>
+          <a:bodyPr wrap="none" anchor="ctr"/>
+          <a:lstStyle/>
+          <a:p>
+            <a:pPr algn="ctr" eaLnBrk="1" hangingPunct="1">
+              <a:spcBef>
+                <a:spcPct val="0"/>
+              </a:spcBef>
+              <a:buSzTx/>
+              <a:buNone/>
+            </a:pPr>
+            <a:r>
+              <a:rPr lang="en-US" sz="1200" dirty="0">
+                <a:solidFill>
+                  <a:srgbClr val="000000"/>
+                </a:solidFill>
+              </a:rPr>
+              <a:t>Software</a:t>
+            </a:r>
+          </a:p>
+          <a:p>
+            <a:pPr algn="ctr" eaLnBrk="1" hangingPunct="1">
+              <a:spcBef>
+                <a:spcPct val="0"/>
+              </a:spcBef>
+              <a:buSzTx/>
+              <a:buNone/>
+            </a:pPr>
+            <a:r>
+              <a:rPr lang="en-US" sz="1200" dirty="0">
+                <a:solidFill>
+                  <a:srgbClr val="000000"/>
+                </a:solidFill>
+              </a:rPr>
+              <a:t>Requirement</a:t>
+            </a:r>
+          </a:p>
+        </p:txBody>
+      </p:sp>
+      <p:sp>
+        <p:nvSpPr>
+          <p:cNvPr id="74" name="Rectangle 37"/>
+          <p:cNvSpPr>
+            <a:spLocks noChangeArrowheads="1"/>
+          </p:cNvSpPr>
+          <p:nvPr/>
+        </p:nvSpPr>
+        <p:spPr bwMode="auto">
+          <a:xfrm>
+            <a:off x="7745506" y="4849904"/>
+            <a:ext cx="914399" cy="555815"/>
           </a:xfrm>
           <a:prstGeom prst="rect">
             <a:avLst/>
@@ -14739,17 +14457,168 @@
           <a:bodyPr wrap="none" anchor="ctr"/>
           <a:lstStyle/>
           <a:p>
-            <a:pPr algn="ctr"/>
-            <a:r>
-              <a:rPr lang="en-US" sz="1600" dirty="0"/>
-              <a:t>ABC</a:t>
-            </a:r>
-          </a:p>
-        </p:txBody>
-      </p:sp>
-      <p:sp>
-        <p:nvSpPr>
-          <p:cNvPr id="39" name="Rectangle 39"/>
+            <a:pPr algn="ctr" eaLnBrk="1" hangingPunct="1">
+              <a:spcBef>
+                <a:spcPct val="0"/>
+              </a:spcBef>
+              <a:buSzTx/>
+              <a:buFontTx/>
+              <a:buNone/>
+            </a:pPr>
+            <a:r>
+              <a:rPr lang="en-US" sz="1200" dirty="0" smtClean="0">
+                <a:solidFill>
+                  <a:srgbClr val="000000"/>
+                </a:solidFill>
+              </a:rPr>
+              <a:t>Software</a:t>
+            </a:r>
+          </a:p>
+          <a:p>
+            <a:pPr algn="ctr" eaLnBrk="1" hangingPunct="1">
+              <a:spcBef>
+                <a:spcPct val="0"/>
+              </a:spcBef>
+              <a:buSzTx/>
+              <a:buFontTx/>
+              <a:buNone/>
+            </a:pPr>
+            <a:r>
+              <a:rPr lang="en-US" sz="1200" dirty="0" smtClean="0">
+                <a:solidFill>
+                  <a:srgbClr val="000000"/>
+                </a:solidFill>
+              </a:rPr>
+              <a:t>Component</a:t>
+            </a:r>
+            <a:endParaRPr lang="en-US" sz="1200" dirty="0">
+              <a:solidFill>
+                <a:srgbClr val="000000"/>
+              </a:solidFill>
+            </a:endParaRPr>
+          </a:p>
+        </p:txBody>
+      </p:sp>
+      <p:cxnSp>
+        <p:nvCxnSpPr>
+          <p:cNvPr id="75" name="Straight Connector 74"/>
+          <p:cNvCxnSpPr/>
+          <p:nvPr/>
+        </p:nvCxnSpPr>
+        <p:spPr bwMode="auto">
+          <a:xfrm flipH="1">
+            <a:off x="448235" y="4410635"/>
+            <a:ext cx="8534400" cy="1"/>
+          </a:xfrm>
+          <a:prstGeom prst="line">
+            <a:avLst/>
+          </a:prstGeom>
+          <a:noFill/>
+          <a:ln w="19050" cap="flat" cmpd="sng" algn="ctr">
+            <a:solidFill>
+              <a:srgbClr val="4896A8"/>
+            </a:solidFill>
+            <a:prstDash val="dash"/>
+            <a:round/>
+            <a:headEnd type="none" w="med" len="med"/>
+            <a:tailEnd type="none" w="med" len="med"/>
+          </a:ln>
+          <a:effectLst/>
+        </p:spPr>
+      </p:cxnSp>
+      <p:cxnSp>
+        <p:nvCxnSpPr>
+          <p:cNvPr id="77" name="Straight Arrow Connector 76"/>
+          <p:cNvCxnSpPr>
+            <a:stCxn id="57" idx="3"/>
+            <a:endCxn id="62" idx="0"/>
+          </p:cNvCxnSpPr>
+          <p:nvPr/>
+        </p:nvCxnSpPr>
+        <p:spPr bwMode="auto">
+          <a:xfrm>
+            <a:off x="4796118" y="1745875"/>
+            <a:ext cx="1622611" cy="1405217"/>
+          </a:xfrm>
+          <a:prstGeom prst="straightConnector1">
+            <a:avLst/>
+          </a:prstGeom>
+          <a:noFill/>
+          <a:ln w="9525" cap="flat" cmpd="sng" algn="ctr">
+            <a:solidFill>
+              <a:srgbClr val="2D6C2A"/>
+            </a:solidFill>
+            <a:prstDash val="solid"/>
+            <a:round/>
+            <a:headEnd type="none" w="med" len="med"/>
+            <a:tailEnd type="none"/>
+          </a:ln>
+          <a:effectLst/>
+        </p:spPr>
+      </p:cxnSp>
+      <p:cxnSp>
+        <p:nvCxnSpPr>
+          <p:cNvPr id="78" name="Straight Arrow Connector 77"/>
+          <p:cNvCxnSpPr>
+            <a:stCxn id="58" idx="3"/>
+            <a:endCxn id="64" idx="0"/>
+          </p:cNvCxnSpPr>
+          <p:nvPr/>
+        </p:nvCxnSpPr>
+        <p:spPr bwMode="auto">
+          <a:xfrm>
+            <a:off x="4840942" y="3453652"/>
+            <a:ext cx="1344706" cy="1396252"/>
+          </a:xfrm>
+          <a:prstGeom prst="straightConnector1">
+            <a:avLst/>
+          </a:prstGeom>
+          <a:noFill/>
+          <a:ln w="9525" cap="flat" cmpd="sng" algn="ctr">
+            <a:solidFill>
+              <a:srgbClr val="2D6C2A"/>
+            </a:solidFill>
+            <a:prstDash val="solid"/>
+            <a:round/>
+            <a:headEnd type="none" w="med" len="med"/>
+            <a:tailEnd type="none"/>
+          </a:ln>
+          <a:effectLst/>
+        </p:spPr>
+      </p:cxnSp>
+      <p:cxnSp>
+        <p:nvCxnSpPr>
+          <p:cNvPr id="80" name="Straight Arrow Connector 79"/>
+          <p:cNvCxnSpPr>
+            <a:stCxn id="57" idx="3"/>
+            <a:endCxn id="63" idx="0"/>
+          </p:cNvCxnSpPr>
+          <p:nvPr/>
+        </p:nvCxnSpPr>
+        <p:spPr bwMode="auto">
+          <a:xfrm>
+            <a:off x="4796118" y="1745875"/>
+            <a:ext cx="2812674" cy="1405217"/>
+          </a:xfrm>
+          <a:prstGeom prst="straightConnector1">
+            <a:avLst/>
+          </a:prstGeom>
+          <a:noFill/>
+          <a:ln w="9525" cap="flat" cmpd="sng" algn="ctr">
+            <a:solidFill>
+              <a:srgbClr val="2D6C2A"/>
+            </a:solidFill>
+            <a:prstDash val="solid"/>
+            <a:round/>
+            <a:headEnd type="none" w="med" len="med"/>
+            <a:tailEnd type="none"/>
+          </a:ln>
+          <a:effectLst/>
+        </p:spPr>
+      </p:cxnSp>
+      <p:sp>
+        <p:nvSpPr>
+          <p:cNvPr id="81" name="Rectangle 37"/>
           <p:cNvSpPr>
             <a:spLocks noChangeArrowheads="1"/>
           </p:cNvSpPr>
@@ -14757,8 +14626,8 @@
         </p:nvSpPr>
         <p:spPr bwMode="auto">
           <a:xfrm>
-            <a:off x="7391400" y="3352800"/>
-            <a:ext cx="609600" cy="457200"/>
+            <a:off x="6015318" y="5966010"/>
+            <a:ext cx="941294" cy="546850"/>
           </a:xfrm>
           <a:prstGeom prst="rect">
             <a:avLst/>
@@ -14780,17 +14649,81 @@
           <a:bodyPr wrap="none" anchor="ctr"/>
           <a:lstStyle/>
           <a:p>
-            <a:pPr algn="ctr"/>
-            <a:r>
-              <a:rPr lang="en-US" sz="1600"/>
-              <a:t>RST</a:t>
-            </a:r>
-          </a:p>
-        </p:txBody>
-      </p:sp>
-      <p:sp>
-        <p:nvSpPr>
-          <p:cNvPr id="40" name="Rectangle 40"/>
+            <a:pPr algn="ctr" eaLnBrk="1" hangingPunct="1">
+              <a:spcBef>
+                <a:spcPct val="0"/>
+              </a:spcBef>
+              <a:buSzTx/>
+              <a:buFontTx/>
+              <a:buNone/>
+            </a:pPr>
+            <a:r>
+              <a:rPr lang="en-US" sz="1200" dirty="0" smtClean="0">
+                <a:solidFill>
+                  <a:srgbClr val="000000"/>
+                </a:solidFill>
+              </a:rPr>
+              <a:t>Software </a:t>
+            </a:r>
+          </a:p>
+          <a:p>
+            <a:pPr algn="ctr" eaLnBrk="1" hangingPunct="1">
+              <a:spcBef>
+                <a:spcPct val="0"/>
+              </a:spcBef>
+              <a:buSzTx/>
+              <a:buFontTx/>
+              <a:buNone/>
+            </a:pPr>
+            <a:r>
+              <a:rPr lang="en-US" sz="1200" dirty="0" smtClean="0">
+                <a:solidFill>
+                  <a:srgbClr val="000000"/>
+                </a:solidFill>
+              </a:rPr>
+              <a:t>Unit</a:t>
+            </a:r>
+            <a:endParaRPr lang="en-US" sz="1200" dirty="0">
+              <a:solidFill>
+                <a:srgbClr val="000000"/>
+              </a:solidFill>
+            </a:endParaRPr>
+          </a:p>
+        </p:txBody>
+      </p:sp>
+      <p:cxnSp>
+        <p:nvCxnSpPr>
+          <p:cNvPr id="82" name="Straight Arrow Connector 81"/>
+          <p:cNvCxnSpPr>
+            <a:stCxn id="72" idx="3"/>
+            <a:endCxn id="81" idx="0"/>
+          </p:cNvCxnSpPr>
+          <p:nvPr/>
+        </p:nvCxnSpPr>
+        <p:spPr bwMode="auto">
+          <a:xfrm>
+            <a:off x="5217460" y="5116606"/>
+            <a:ext cx="1268505" cy="849404"/>
+          </a:xfrm>
+          <a:prstGeom prst="straightConnector1">
+            <a:avLst/>
+          </a:prstGeom>
+          <a:noFill/>
+          <a:ln w="9525" cap="flat" cmpd="sng" algn="ctr">
+            <a:solidFill>
+              <a:srgbClr val="2D6C2A"/>
+            </a:solidFill>
+            <a:prstDash val="solid"/>
+            <a:round/>
+            <a:headEnd type="none" w="med" len="med"/>
+            <a:tailEnd type="none"/>
+          </a:ln>
+          <a:effectLst/>
+        </p:spPr>
+      </p:cxnSp>
+      <p:sp>
+        <p:nvSpPr>
+          <p:cNvPr id="83" name="Rectangle 82"/>
           <p:cNvSpPr>
             <a:spLocks noChangeArrowheads="1"/>
           </p:cNvSpPr>
@@ -14798,8 +14731,1692 @@
         </p:nvSpPr>
         <p:spPr bwMode="auto">
           <a:xfrm>
-            <a:off x="8153400" y="3352800"/>
-            <a:ext cx="609600" cy="457200"/>
+            <a:off x="2169459" y="5966010"/>
+            <a:ext cx="959223" cy="614082"/>
+          </a:xfrm>
+          <a:prstGeom prst="rect">
+            <a:avLst/>
+          </a:prstGeom>
+          <a:solidFill>
+            <a:srgbClr val="B0DF81"/>
+          </a:solidFill>
+          <a:ln w="9525">
+            <a:solidFill>
+              <a:schemeClr val="tx1"/>
+            </a:solidFill>
+            <a:miter lim="800000"/>
+            <a:headEnd/>
+            <a:tailEnd/>
+          </a:ln>
+          <a:effectLst/>
+        </p:spPr>
+        <p:txBody>
+          <a:bodyPr wrap="none" anchor="ctr"/>
+          <a:lstStyle/>
+          <a:p>
+            <a:pPr algn="ctr" eaLnBrk="1" hangingPunct="1">
+              <a:spcBef>
+                <a:spcPct val="0"/>
+              </a:spcBef>
+              <a:buSzTx/>
+              <a:buNone/>
+            </a:pPr>
+            <a:r>
+              <a:rPr lang="en-US" sz="1200" dirty="0">
+                <a:solidFill>
+                  <a:srgbClr val="000000"/>
+                </a:solidFill>
+              </a:rPr>
+              <a:t>Test</a:t>
+            </a:r>
+          </a:p>
+          <a:p>
+            <a:pPr algn="ctr" eaLnBrk="1" hangingPunct="1">
+              <a:spcBef>
+                <a:spcPct val="0"/>
+              </a:spcBef>
+              <a:buSzTx/>
+              <a:buNone/>
+            </a:pPr>
+            <a:r>
+              <a:rPr lang="en-US" sz="1200" dirty="0">
+                <a:solidFill>
+                  <a:srgbClr val="000000"/>
+                </a:solidFill>
+              </a:rPr>
+              <a:t>Procedure</a:t>
+            </a:r>
+          </a:p>
+        </p:txBody>
+      </p:sp>
+      <p:sp>
+        <p:nvSpPr>
+          <p:cNvPr id="84" name="Rectangle 83"/>
+          <p:cNvSpPr>
+            <a:spLocks noChangeArrowheads="1"/>
+          </p:cNvSpPr>
+          <p:nvPr/>
+        </p:nvSpPr>
+        <p:spPr bwMode="auto">
+          <a:xfrm>
+            <a:off x="4621306" y="5966010"/>
+            <a:ext cx="945776" cy="569260"/>
+          </a:xfrm>
+          <a:prstGeom prst="rect">
+            <a:avLst/>
+          </a:prstGeom>
+          <a:solidFill>
+            <a:srgbClr val="B0DF81"/>
+          </a:solidFill>
+          <a:ln w="9525">
+            <a:solidFill>
+              <a:schemeClr val="tx1"/>
+            </a:solidFill>
+            <a:miter lim="800000"/>
+            <a:headEnd/>
+            <a:tailEnd/>
+          </a:ln>
+          <a:effectLst/>
+        </p:spPr>
+        <p:txBody>
+          <a:bodyPr wrap="none" anchor="ctr"/>
+          <a:lstStyle/>
+          <a:p>
+            <a:pPr algn="ctr" eaLnBrk="1" hangingPunct="1">
+              <a:spcBef>
+                <a:spcPct val="0"/>
+              </a:spcBef>
+              <a:buSzTx/>
+              <a:buNone/>
+            </a:pPr>
+            <a:endParaRPr lang="en-US" sz="1200" dirty="0">
+              <a:solidFill>
+                <a:srgbClr val="000000"/>
+              </a:solidFill>
+            </a:endParaRPr>
+          </a:p>
+          <a:p>
+            <a:pPr algn="ctr" eaLnBrk="1" hangingPunct="1">
+              <a:spcBef>
+                <a:spcPct val="0"/>
+              </a:spcBef>
+              <a:buSzTx/>
+              <a:buNone/>
+            </a:pPr>
+            <a:r>
+              <a:rPr lang="en-US" sz="1200" dirty="0">
+                <a:solidFill>
+                  <a:srgbClr val="000000"/>
+                </a:solidFill>
+              </a:rPr>
+              <a:t>Automated </a:t>
+            </a:r>
+          </a:p>
+          <a:p>
+            <a:pPr algn="ctr" eaLnBrk="1" hangingPunct="1">
+              <a:spcBef>
+                <a:spcPct val="0"/>
+              </a:spcBef>
+              <a:buSzTx/>
+              <a:buNone/>
+            </a:pPr>
+            <a:r>
+              <a:rPr lang="en-US" sz="1200" dirty="0">
+                <a:solidFill>
+                  <a:srgbClr val="000000"/>
+                </a:solidFill>
+              </a:rPr>
+              <a:t>Test</a:t>
+            </a:r>
+          </a:p>
+          <a:p>
+            <a:pPr algn="ctr" eaLnBrk="1" hangingPunct="1">
+              <a:spcBef>
+                <a:spcPct val="0"/>
+              </a:spcBef>
+              <a:buSzTx/>
+              <a:buNone/>
+            </a:pPr>
+            <a:endParaRPr lang="en-US" sz="1200" dirty="0">
+              <a:solidFill>
+                <a:srgbClr val="000000"/>
+              </a:solidFill>
+            </a:endParaRPr>
+          </a:p>
+        </p:txBody>
+      </p:sp>
+      <p:cxnSp>
+        <p:nvCxnSpPr>
+          <p:cNvPr id="85" name="Straight Arrow Connector 84"/>
+          <p:cNvCxnSpPr>
+            <a:stCxn id="58" idx="1"/>
+            <a:endCxn id="83" idx="0"/>
+          </p:cNvCxnSpPr>
+          <p:nvPr/>
+        </p:nvCxnSpPr>
+        <p:spPr bwMode="auto">
+          <a:xfrm flipH="1">
+            <a:off x="2649071" y="3453652"/>
+            <a:ext cx="1071282" cy="2512358"/>
+          </a:xfrm>
+          <a:prstGeom prst="straightConnector1">
+            <a:avLst/>
+          </a:prstGeom>
+          <a:noFill/>
+          <a:ln w="9525" cap="flat" cmpd="sng" algn="ctr">
+            <a:solidFill>
+              <a:srgbClr val="7E4A5A"/>
+            </a:solidFill>
+            <a:prstDash val="solid"/>
+            <a:round/>
+            <a:headEnd type="none" w="med" len="med"/>
+            <a:tailEnd type="none"/>
+          </a:ln>
+          <a:effectLst/>
+        </p:spPr>
+      </p:cxnSp>
+      <p:cxnSp>
+        <p:nvCxnSpPr>
+          <p:cNvPr id="86" name="Straight Arrow Connector 85"/>
+          <p:cNvCxnSpPr>
+            <a:stCxn id="72" idx="2"/>
+            <a:endCxn id="84" idx="0"/>
+          </p:cNvCxnSpPr>
+          <p:nvPr/>
+        </p:nvCxnSpPr>
+        <p:spPr bwMode="auto">
+          <a:xfrm>
+            <a:off x="4751295" y="5405718"/>
+            <a:ext cx="342899" cy="560292"/>
+          </a:xfrm>
+          <a:prstGeom prst="straightConnector1">
+            <a:avLst/>
+          </a:prstGeom>
+          <a:noFill/>
+          <a:ln w="9525" cap="flat" cmpd="sng" algn="ctr">
+            <a:solidFill>
+              <a:srgbClr val="7E4A5A"/>
+            </a:solidFill>
+            <a:prstDash val="solid"/>
+            <a:round/>
+            <a:headEnd type="none" w="med" len="med"/>
+            <a:tailEnd type="none"/>
+          </a:ln>
+          <a:effectLst/>
+        </p:spPr>
+      </p:cxnSp>
+      <p:sp>
+        <p:nvSpPr>
+          <p:cNvPr id="87" name="TextBox 86"/>
+          <p:cNvSpPr txBox="1"/>
+          <p:nvPr/>
+        </p:nvSpPr>
+        <p:spPr>
+          <a:xfrm>
+            <a:off x="2456329" y="5611908"/>
+            <a:ext cx="788894" cy="179291"/>
+          </a:xfrm>
+          <a:prstGeom prst="rect">
+            <a:avLst/>
+          </a:prstGeom>
+          <a:solidFill>
+            <a:schemeClr val="bg1"/>
+          </a:solidFill>
+        </p:spPr>
+        <p:txBody>
+          <a:bodyPr wrap="square" lIns="0" tIns="0" rIns="0" bIns="0" rtlCol="0">
+            <a:noAutofit/>
+          </a:bodyPr>
+          <a:lstStyle/>
+          <a:p>
+            <a:pPr>
+              <a:buNone/>
+            </a:pPr>
+            <a:r>
+              <a:rPr lang="en-US" sz="1100" dirty="0" smtClean="0">
+                <a:solidFill>
+                  <a:srgbClr val="9C5489"/>
+                </a:solidFill>
+              </a:rPr>
+              <a:t>Verification</a:t>
+            </a:r>
+          </a:p>
+          <a:p>
+            <a:pPr>
+              <a:buNone/>
+            </a:pPr>
+            <a:endParaRPr lang="en-US" sz="1100" dirty="0"/>
+          </a:p>
+        </p:txBody>
+      </p:sp>
+      <p:sp>
+        <p:nvSpPr>
+          <p:cNvPr id="88" name="TextBox 87"/>
+          <p:cNvSpPr txBox="1"/>
+          <p:nvPr/>
+        </p:nvSpPr>
+        <p:spPr>
+          <a:xfrm>
+            <a:off x="5593977" y="5620874"/>
+            <a:ext cx="788894" cy="170327"/>
+          </a:xfrm>
+          <a:prstGeom prst="rect">
+            <a:avLst/>
+          </a:prstGeom>
+          <a:solidFill>
+            <a:schemeClr val="bg1"/>
+          </a:solidFill>
+        </p:spPr>
+        <p:txBody>
+          <a:bodyPr wrap="square" lIns="0" tIns="0" rIns="0" bIns="0" rtlCol="0">
+            <a:noAutofit/>
+          </a:bodyPr>
+          <a:lstStyle/>
+          <a:p>
+            <a:pPr>
+              <a:buNone/>
+            </a:pPr>
+            <a:r>
+              <a:rPr lang="en-US" sz="1100" dirty="0" smtClean="0">
+                <a:solidFill>
+                  <a:srgbClr val="2D6C2A"/>
+                </a:solidFill>
+              </a:rPr>
+              <a:t>Allocation</a:t>
+            </a:r>
+          </a:p>
+          <a:p>
+            <a:pPr>
+              <a:buNone/>
+            </a:pPr>
+            <a:endParaRPr lang="en-US" sz="1100" dirty="0">
+              <a:solidFill>
+                <a:srgbClr val="2D6C2A"/>
+              </a:solidFill>
+            </a:endParaRPr>
+          </a:p>
+        </p:txBody>
+      </p:sp>
+      <p:sp>
+        <p:nvSpPr>
+          <p:cNvPr id="89" name="TextBox 88"/>
+          <p:cNvSpPr txBox="1"/>
+          <p:nvPr/>
+        </p:nvSpPr>
+        <p:spPr>
+          <a:xfrm>
+            <a:off x="5298141" y="2151529"/>
+            <a:ext cx="788894" cy="170327"/>
+          </a:xfrm>
+          <a:prstGeom prst="rect">
+            <a:avLst/>
+          </a:prstGeom>
+          <a:solidFill>
+            <a:schemeClr val="bg1"/>
+          </a:solidFill>
+        </p:spPr>
+        <p:txBody>
+          <a:bodyPr wrap="square" lIns="0" tIns="0" rIns="0" bIns="0" rtlCol="0">
+            <a:noAutofit/>
+          </a:bodyPr>
+          <a:lstStyle/>
+          <a:p>
+            <a:pPr>
+              <a:buNone/>
+            </a:pPr>
+            <a:r>
+              <a:rPr lang="en-US" sz="1100" dirty="0" smtClean="0">
+                <a:solidFill>
+                  <a:srgbClr val="2D6C2A"/>
+                </a:solidFill>
+              </a:rPr>
+              <a:t>Allocation</a:t>
+            </a:r>
+          </a:p>
+          <a:p>
+            <a:pPr>
+              <a:buNone/>
+            </a:pPr>
+            <a:endParaRPr lang="en-US" sz="1100" dirty="0">
+              <a:solidFill>
+                <a:srgbClr val="2D6C2A"/>
+              </a:solidFill>
+            </a:endParaRPr>
+          </a:p>
+        </p:txBody>
+      </p:sp>
+      <p:sp>
+        <p:nvSpPr>
+          <p:cNvPr id="90" name="TextBox 89"/>
+          <p:cNvSpPr txBox="1"/>
+          <p:nvPr/>
+        </p:nvSpPr>
+        <p:spPr>
+          <a:xfrm>
+            <a:off x="4410633" y="5638803"/>
+            <a:ext cx="788894" cy="179291"/>
+          </a:xfrm>
+          <a:prstGeom prst="rect">
+            <a:avLst/>
+          </a:prstGeom>
+          <a:solidFill>
+            <a:schemeClr val="bg1"/>
+          </a:solidFill>
+        </p:spPr>
+        <p:txBody>
+          <a:bodyPr wrap="square" lIns="0" tIns="0" rIns="0" bIns="0" rtlCol="0">
+            <a:noAutofit/>
+          </a:bodyPr>
+          <a:lstStyle/>
+          <a:p>
+            <a:pPr>
+              <a:buNone/>
+            </a:pPr>
+            <a:r>
+              <a:rPr lang="en-US" sz="1100" dirty="0" smtClean="0">
+                <a:solidFill>
+                  <a:srgbClr val="9C5489"/>
+                </a:solidFill>
+              </a:rPr>
+              <a:t>Verification</a:t>
+            </a:r>
+          </a:p>
+          <a:p>
+            <a:pPr>
+              <a:buNone/>
+            </a:pPr>
+            <a:endParaRPr lang="en-US" sz="1100" dirty="0"/>
+          </a:p>
+        </p:txBody>
+      </p:sp>
+      <p:cxnSp>
+        <p:nvCxnSpPr>
+          <p:cNvPr id="91" name="Straight Arrow Connector 90"/>
+          <p:cNvCxnSpPr>
+            <a:stCxn id="57" idx="2"/>
+            <a:endCxn id="58" idx="0"/>
+          </p:cNvCxnSpPr>
+          <p:nvPr/>
+        </p:nvCxnSpPr>
+        <p:spPr bwMode="auto">
+          <a:xfrm>
+            <a:off x="4276165" y="2066362"/>
+            <a:ext cx="4483" cy="1084730"/>
+          </a:xfrm>
+          <a:prstGeom prst="straightConnector1">
+            <a:avLst/>
+          </a:prstGeom>
+          <a:noFill/>
+          <a:ln w="9525" cap="flat" cmpd="sng" algn="ctr">
+            <a:solidFill>
+              <a:srgbClr val="EE3A02"/>
+            </a:solidFill>
+            <a:prstDash val="solid"/>
+            <a:round/>
+            <a:headEnd type="none" w="med" len="med"/>
+            <a:tailEnd type="none"/>
+          </a:ln>
+          <a:effectLst/>
+        </p:spPr>
+      </p:cxnSp>
+      <p:cxnSp>
+        <p:nvCxnSpPr>
+          <p:cNvPr id="92" name="Straight Arrow Connector 91"/>
+          <p:cNvCxnSpPr>
+            <a:stCxn id="58" idx="2"/>
+            <a:endCxn id="71" idx="0"/>
+          </p:cNvCxnSpPr>
+          <p:nvPr/>
+        </p:nvCxnSpPr>
+        <p:spPr bwMode="auto">
+          <a:xfrm flipH="1">
+            <a:off x="3863788" y="3756212"/>
+            <a:ext cx="416860" cy="2209798"/>
+          </a:xfrm>
+          <a:prstGeom prst="straightConnector1">
+            <a:avLst/>
+          </a:prstGeom>
+          <a:noFill/>
+          <a:ln w="9525" cap="flat" cmpd="sng" algn="ctr">
+            <a:solidFill>
+              <a:srgbClr val="EE3A02"/>
+            </a:solidFill>
+            <a:prstDash val="solid"/>
+            <a:round/>
+            <a:headEnd type="none" w="med" len="med"/>
+            <a:tailEnd type="none"/>
+          </a:ln>
+          <a:effectLst/>
+        </p:spPr>
+      </p:cxnSp>
+      <p:cxnSp>
+        <p:nvCxnSpPr>
+          <p:cNvPr id="93" name="Straight Arrow Connector 92"/>
+          <p:cNvCxnSpPr>
+            <a:stCxn id="58" idx="2"/>
+            <a:endCxn id="72" idx="0"/>
+          </p:cNvCxnSpPr>
+          <p:nvPr/>
+        </p:nvCxnSpPr>
+        <p:spPr bwMode="auto">
+          <a:xfrm>
+            <a:off x="4280648" y="3756212"/>
+            <a:ext cx="470647" cy="1071281"/>
+          </a:xfrm>
+          <a:prstGeom prst="straightConnector1">
+            <a:avLst/>
+          </a:prstGeom>
+          <a:noFill/>
+          <a:ln w="9525" cap="flat" cmpd="sng" algn="ctr">
+            <a:solidFill>
+              <a:srgbClr val="EE3A02"/>
+            </a:solidFill>
+            <a:prstDash val="solid"/>
+            <a:round/>
+            <a:headEnd type="none" w="med" len="med"/>
+            <a:tailEnd type="none"/>
+          </a:ln>
+          <a:effectLst/>
+        </p:spPr>
+      </p:cxnSp>
+      <p:sp>
+        <p:nvSpPr>
+          <p:cNvPr id="94" name="TextBox 93"/>
+          <p:cNvSpPr txBox="1"/>
+          <p:nvPr/>
+        </p:nvSpPr>
+        <p:spPr>
+          <a:xfrm>
+            <a:off x="3684492" y="2366683"/>
+            <a:ext cx="1228165" cy="161362"/>
+          </a:xfrm>
+          <a:prstGeom prst="rect">
+            <a:avLst/>
+          </a:prstGeom>
+          <a:solidFill>
+            <a:schemeClr val="bg1"/>
+          </a:solidFill>
+        </p:spPr>
+        <p:txBody>
+          <a:bodyPr wrap="square" lIns="0" tIns="0" rIns="0" bIns="0" rtlCol="0">
+            <a:noAutofit/>
+          </a:bodyPr>
+          <a:lstStyle/>
+          <a:p>
+            <a:pPr>
+              <a:buNone/>
+            </a:pPr>
+            <a:r>
+              <a:rPr lang="en-US" sz="1100" dirty="0" smtClean="0">
+                <a:solidFill>
+                  <a:srgbClr val="EE3A02"/>
+                </a:solidFill>
+              </a:rPr>
+              <a:t>Requirement Trace</a:t>
+            </a:r>
+          </a:p>
+          <a:p>
+            <a:pPr>
+              <a:buNone/>
+            </a:pPr>
+            <a:endParaRPr lang="en-US" sz="1100" dirty="0" smtClean="0">
+              <a:solidFill>
+                <a:srgbClr val="EE3A02"/>
+              </a:solidFill>
+            </a:endParaRPr>
+          </a:p>
+          <a:p>
+            <a:pPr>
+              <a:buNone/>
+            </a:pPr>
+            <a:endParaRPr lang="en-US" sz="1100" dirty="0">
+              <a:solidFill>
+                <a:srgbClr val="EE3A02"/>
+              </a:solidFill>
+            </a:endParaRPr>
+          </a:p>
+        </p:txBody>
+      </p:sp>
+      <p:sp>
+        <p:nvSpPr>
+          <p:cNvPr id="95" name="TextBox 94"/>
+          <p:cNvSpPr txBox="1"/>
+          <p:nvPr/>
+        </p:nvSpPr>
+        <p:spPr>
+          <a:xfrm>
+            <a:off x="3720350" y="4141696"/>
+            <a:ext cx="1228165" cy="161362"/>
+          </a:xfrm>
+          <a:prstGeom prst="rect">
+            <a:avLst/>
+          </a:prstGeom>
+          <a:solidFill>
+            <a:schemeClr val="bg1"/>
+          </a:solidFill>
+        </p:spPr>
+        <p:txBody>
+          <a:bodyPr wrap="square" lIns="0" tIns="0" rIns="0" bIns="0" rtlCol="0">
+            <a:noAutofit/>
+          </a:bodyPr>
+          <a:lstStyle/>
+          <a:p>
+            <a:pPr>
+              <a:buNone/>
+            </a:pPr>
+            <a:r>
+              <a:rPr lang="en-US" sz="1100" dirty="0" smtClean="0">
+                <a:solidFill>
+                  <a:srgbClr val="EE3A02"/>
+                </a:solidFill>
+              </a:rPr>
+              <a:t>Requirement</a:t>
+            </a:r>
+            <a:r>
+              <a:rPr lang="en-US" sz="1100" dirty="0" smtClean="0">
+                <a:solidFill>
+                  <a:srgbClr val="2403ED"/>
+                </a:solidFill>
+              </a:rPr>
+              <a:t> </a:t>
+            </a:r>
+            <a:r>
+              <a:rPr lang="en-US" sz="1100" dirty="0" smtClean="0">
+                <a:solidFill>
+                  <a:srgbClr val="EE3A02"/>
+                </a:solidFill>
+              </a:rPr>
+              <a:t>Trace</a:t>
+            </a:r>
+          </a:p>
+          <a:p>
+            <a:pPr>
+              <a:buNone/>
+            </a:pPr>
+            <a:endParaRPr lang="en-US" sz="1100" dirty="0" smtClean="0">
+              <a:solidFill>
+                <a:srgbClr val="2403ED"/>
+              </a:solidFill>
+            </a:endParaRPr>
+          </a:p>
+          <a:p>
+            <a:pPr>
+              <a:buNone/>
+            </a:pPr>
+            <a:endParaRPr lang="en-US" sz="1100" dirty="0"/>
+          </a:p>
+        </p:txBody>
+      </p:sp>
+      <p:cxnSp>
+        <p:nvCxnSpPr>
+          <p:cNvPr id="96" name="Straight Arrow Connector 95"/>
+          <p:cNvCxnSpPr>
+            <a:stCxn id="69" idx="3"/>
+            <a:endCxn id="57" idx="1"/>
+          </p:cNvCxnSpPr>
+          <p:nvPr/>
+        </p:nvCxnSpPr>
+        <p:spPr bwMode="auto">
+          <a:xfrm flipV="1">
+            <a:off x="2823882" y="1745875"/>
+            <a:ext cx="932329" cy="652181"/>
+          </a:xfrm>
+          <a:prstGeom prst="straightConnector1">
+            <a:avLst/>
+          </a:prstGeom>
+          <a:noFill/>
+          <a:ln w="9525" cap="flat" cmpd="sng" algn="ctr">
+            <a:solidFill>
+              <a:srgbClr val="996600"/>
+            </a:solidFill>
+            <a:prstDash val="solid"/>
+            <a:round/>
+            <a:headEnd type="none" w="med" len="med"/>
+            <a:tailEnd type="none"/>
+          </a:ln>
+          <a:effectLst/>
+        </p:spPr>
+      </p:cxnSp>
+      <p:cxnSp>
+        <p:nvCxnSpPr>
+          <p:cNvPr id="97" name="Straight Arrow Connector 96"/>
+          <p:cNvCxnSpPr>
+            <a:stCxn id="70" idx="3"/>
+            <a:endCxn id="57" idx="1"/>
+          </p:cNvCxnSpPr>
+          <p:nvPr/>
+        </p:nvCxnSpPr>
+        <p:spPr bwMode="auto">
+          <a:xfrm>
+            <a:off x="1882588" y="1721223"/>
+            <a:ext cx="1873623" cy="24652"/>
+          </a:xfrm>
+          <a:prstGeom prst="straightConnector1">
+            <a:avLst/>
+          </a:prstGeom>
+          <a:noFill/>
+          <a:ln w="9525" cap="flat" cmpd="sng" algn="ctr">
+            <a:solidFill>
+              <a:srgbClr val="996600"/>
+            </a:solidFill>
+            <a:prstDash val="solid"/>
+            <a:round/>
+            <a:headEnd type="none" w="med" len="med"/>
+            <a:tailEnd type="none"/>
+          </a:ln>
+          <a:effectLst/>
+        </p:spPr>
+      </p:cxnSp>
+      <p:sp>
+        <p:nvSpPr>
+          <p:cNvPr id="98" name="Rectangle 16"/>
+          <p:cNvSpPr>
+            <a:spLocks noChangeArrowheads="1"/>
+          </p:cNvSpPr>
+          <p:nvPr/>
+        </p:nvSpPr>
+        <p:spPr bwMode="auto">
+          <a:xfrm>
+            <a:off x="1927412" y="3657595"/>
+            <a:ext cx="842681" cy="600640"/>
+          </a:xfrm>
+          <a:prstGeom prst="rect">
+            <a:avLst/>
+          </a:prstGeom>
+          <a:solidFill>
+            <a:srgbClr val="C0C0C0"/>
+          </a:solidFill>
+          <a:ln w="9525">
+            <a:solidFill>
+              <a:schemeClr val="tx1"/>
+            </a:solidFill>
+            <a:miter lim="800000"/>
+            <a:headEnd/>
+            <a:tailEnd/>
+          </a:ln>
+          <a:effectLst/>
+        </p:spPr>
+        <p:txBody>
+          <a:bodyPr wrap="none" anchor="ctr"/>
+          <a:lstStyle/>
+          <a:p>
+            <a:pPr algn="ctr" eaLnBrk="1" hangingPunct="1">
+              <a:spcBef>
+                <a:spcPct val="0"/>
+              </a:spcBef>
+              <a:buSzTx/>
+              <a:buFontTx/>
+              <a:buNone/>
+            </a:pPr>
+            <a:endParaRPr lang="en-US" sz="1600" dirty="0" smtClean="0">
+              <a:solidFill>
+                <a:srgbClr val="000000"/>
+              </a:solidFill>
+            </a:endParaRPr>
+          </a:p>
+          <a:p>
+            <a:pPr algn="ctr" eaLnBrk="1" hangingPunct="1">
+              <a:spcBef>
+                <a:spcPct val="0"/>
+              </a:spcBef>
+              <a:buSzTx/>
+              <a:buFontTx/>
+              <a:buNone/>
+            </a:pPr>
+            <a:r>
+              <a:rPr lang="en-US" sz="1200" dirty="0" smtClean="0">
+                <a:solidFill>
+                  <a:srgbClr val="000000"/>
+                </a:solidFill>
+              </a:rPr>
+              <a:t>Subsystem</a:t>
+            </a:r>
+            <a:endParaRPr lang="en-US" sz="1200" dirty="0">
+              <a:solidFill>
+                <a:srgbClr val="000000"/>
+              </a:solidFill>
+            </a:endParaRPr>
+          </a:p>
+          <a:p>
+            <a:pPr algn="ctr" eaLnBrk="1" hangingPunct="1">
+              <a:spcBef>
+                <a:spcPct val="0"/>
+              </a:spcBef>
+              <a:buSzTx/>
+              <a:buFontTx/>
+              <a:buNone/>
+            </a:pPr>
+            <a:r>
+              <a:rPr lang="en-US" sz="1200" dirty="0" smtClean="0">
+                <a:solidFill>
+                  <a:srgbClr val="000000"/>
+                </a:solidFill>
+              </a:rPr>
+              <a:t>Design</a:t>
+            </a:r>
+          </a:p>
+          <a:p>
+            <a:pPr algn="ctr" eaLnBrk="1" hangingPunct="1">
+              <a:spcBef>
+                <a:spcPct val="0"/>
+              </a:spcBef>
+              <a:buSzTx/>
+              <a:buFontTx/>
+              <a:buNone/>
+            </a:pPr>
+            <a:endParaRPr lang="en-US" sz="1600" dirty="0">
+              <a:solidFill>
+                <a:srgbClr val="000000"/>
+              </a:solidFill>
+            </a:endParaRPr>
+          </a:p>
+        </p:txBody>
+      </p:sp>
+      <p:sp>
+        <p:nvSpPr>
+          <p:cNvPr id="99" name="Rectangle 16"/>
+          <p:cNvSpPr>
+            <a:spLocks noChangeArrowheads="1"/>
+          </p:cNvSpPr>
+          <p:nvPr/>
+        </p:nvSpPr>
+        <p:spPr bwMode="auto">
+          <a:xfrm>
+            <a:off x="1013011" y="2949387"/>
+            <a:ext cx="815789" cy="600636"/>
+          </a:xfrm>
+          <a:prstGeom prst="rect">
+            <a:avLst/>
+          </a:prstGeom>
+          <a:solidFill>
+            <a:srgbClr val="C0C0C0"/>
+          </a:solidFill>
+          <a:ln w="9525">
+            <a:solidFill>
+              <a:schemeClr val="tx1"/>
+            </a:solidFill>
+            <a:miter lim="800000"/>
+            <a:headEnd/>
+            <a:tailEnd/>
+          </a:ln>
+          <a:effectLst/>
+        </p:spPr>
+        <p:txBody>
+          <a:bodyPr wrap="none" anchor="ctr"/>
+          <a:lstStyle/>
+          <a:p>
+            <a:pPr algn="ctr" eaLnBrk="1" hangingPunct="1">
+              <a:spcBef>
+                <a:spcPct val="0"/>
+              </a:spcBef>
+              <a:buSzTx/>
+              <a:buFontTx/>
+              <a:buNone/>
+            </a:pPr>
+            <a:endParaRPr lang="en-US" sz="1600" dirty="0" smtClean="0">
+              <a:solidFill>
+                <a:srgbClr val="000000"/>
+              </a:solidFill>
+            </a:endParaRPr>
+          </a:p>
+          <a:p>
+            <a:pPr algn="ctr" eaLnBrk="1" hangingPunct="1">
+              <a:spcBef>
+                <a:spcPct val="0"/>
+              </a:spcBef>
+              <a:buSzTx/>
+              <a:buFontTx/>
+              <a:buNone/>
+            </a:pPr>
+            <a:r>
+              <a:rPr lang="en-US" sz="1200" dirty="0" smtClean="0">
+                <a:solidFill>
+                  <a:srgbClr val="000000"/>
+                </a:solidFill>
+              </a:rPr>
+              <a:t>Subsystem</a:t>
+            </a:r>
+            <a:endParaRPr lang="en-US" sz="1200" dirty="0">
+              <a:solidFill>
+                <a:srgbClr val="000000"/>
+              </a:solidFill>
+            </a:endParaRPr>
+          </a:p>
+          <a:p>
+            <a:pPr algn="ctr" eaLnBrk="1" hangingPunct="1">
+              <a:spcBef>
+                <a:spcPct val="0"/>
+              </a:spcBef>
+              <a:buSzTx/>
+              <a:buFontTx/>
+              <a:buNone/>
+            </a:pPr>
+            <a:r>
+              <a:rPr lang="en-US" sz="1200" dirty="0" smtClean="0">
+                <a:solidFill>
+                  <a:srgbClr val="000000"/>
+                </a:solidFill>
+              </a:rPr>
+              <a:t>Function</a:t>
+            </a:r>
+          </a:p>
+          <a:p>
+            <a:pPr algn="ctr" eaLnBrk="1" hangingPunct="1">
+              <a:spcBef>
+                <a:spcPct val="0"/>
+              </a:spcBef>
+              <a:buSzTx/>
+              <a:buFontTx/>
+              <a:buNone/>
+            </a:pPr>
+            <a:endParaRPr lang="en-US" sz="1600" dirty="0">
+              <a:solidFill>
+                <a:srgbClr val="000000"/>
+              </a:solidFill>
+            </a:endParaRPr>
+          </a:p>
+        </p:txBody>
+      </p:sp>
+      <p:cxnSp>
+        <p:nvCxnSpPr>
+          <p:cNvPr id="100" name="Straight Arrow Connector 99"/>
+          <p:cNvCxnSpPr>
+            <a:stCxn id="98" idx="3"/>
+            <a:endCxn id="58" idx="1"/>
+          </p:cNvCxnSpPr>
+          <p:nvPr/>
+        </p:nvCxnSpPr>
+        <p:spPr bwMode="auto">
+          <a:xfrm flipV="1">
+            <a:off x="2770093" y="3453652"/>
+            <a:ext cx="950260" cy="504263"/>
+          </a:xfrm>
+          <a:prstGeom prst="straightConnector1">
+            <a:avLst/>
+          </a:prstGeom>
+          <a:noFill/>
+          <a:ln w="9525" cap="flat" cmpd="sng" algn="ctr">
+            <a:solidFill>
+              <a:srgbClr val="996600"/>
+            </a:solidFill>
+            <a:prstDash val="solid"/>
+            <a:round/>
+            <a:headEnd type="none" w="med" len="med"/>
+            <a:tailEnd type="none"/>
+          </a:ln>
+          <a:effectLst/>
+        </p:spPr>
+      </p:cxnSp>
+      <p:sp>
+        <p:nvSpPr>
+          <p:cNvPr id="101" name="TextBox 100"/>
+          <p:cNvSpPr txBox="1"/>
+          <p:nvPr/>
+        </p:nvSpPr>
+        <p:spPr>
+          <a:xfrm>
+            <a:off x="2904564" y="2043955"/>
+            <a:ext cx="493060" cy="215150"/>
+          </a:xfrm>
+          <a:prstGeom prst="rect">
+            <a:avLst/>
+          </a:prstGeom>
+          <a:solidFill>
+            <a:schemeClr val="bg1"/>
+          </a:solidFill>
+        </p:spPr>
+        <p:txBody>
+          <a:bodyPr wrap="square" lIns="0" tIns="0" rIns="0" bIns="0" rtlCol="0">
+            <a:noAutofit/>
+          </a:bodyPr>
+          <a:lstStyle/>
+          <a:p>
+            <a:pPr>
+              <a:buNone/>
+            </a:pPr>
+            <a:r>
+              <a:rPr lang="en-US" sz="1100" dirty="0" smtClean="0">
+                <a:solidFill>
+                  <a:srgbClr val="996600"/>
+                </a:solidFill>
+              </a:rPr>
+              <a:t>Design</a:t>
+            </a:r>
+          </a:p>
+          <a:p>
+            <a:pPr>
+              <a:buNone/>
+            </a:pPr>
+            <a:endParaRPr lang="en-US" sz="1100" dirty="0"/>
+          </a:p>
+        </p:txBody>
+      </p:sp>
+      <p:sp>
+        <p:nvSpPr>
+          <p:cNvPr id="102" name="TextBox 101"/>
+          <p:cNvSpPr txBox="1"/>
+          <p:nvPr/>
+        </p:nvSpPr>
+        <p:spPr>
+          <a:xfrm>
+            <a:off x="2877671" y="3621744"/>
+            <a:ext cx="493060" cy="215150"/>
+          </a:xfrm>
+          <a:prstGeom prst="rect">
+            <a:avLst/>
+          </a:prstGeom>
+          <a:solidFill>
+            <a:schemeClr val="bg1"/>
+          </a:solidFill>
+        </p:spPr>
+        <p:txBody>
+          <a:bodyPr wrap="square" lIns="0" tIns="0" rIns="0" bIns="0" rtlCol="0">
+            <a:noAutofit/>
+          </a:bodyPr>
+          <a:lstStyle/>
+          <a:p>
+            <a:pPr>
+              <a:buNone/>
+            </a:pPr>
+            <a:r>
+              <a:rPr lang="en-US" sz="1100" dirty="0" smtClean="0">
+                <a:solidFill>
+                  <a:srgbClr val="996600"/>
+                </a:solidFill>
+              </a:rPr>
+              <a:t>Design</a:t>
+            </a:r>
+          </a:p>
+          <a:p>
+            <a:pPr>
+              <a:buNone/>
+            </a:pPr>
+            <a:endParaRPr lang="en-US" sz="1100" dirty="0"/>
+          </a:p>
+        </p:txBody>
+      </p:sp>
+      <p:sp>
+        <p:nvSpPr>
+          <p:cNvPr id="103" name="Rectangle 16"/>
+          <p:cNvSpPr>
+            <a:spLocks noChangeArrowheads="1"/>
+          </p:cNvSpPr>
+          <p:nvPr/>
+        </p:nvSpPr>
+        <p:spPr bwMode="auto">
+          <a:xfrm>
+            <a:off x="1210236" y="4805078"/>
+            <a:ext cx="860614" cy="564780"/>
+          </a:xfrm>
+          <a:prstGeom prst="rect">
+            <a:avLst/>
+          </a:prstGeom>
+          <a:solidFill>
+            <a:srgbClr val="C0C0C0"/>
+          </a:solidFill>
+          <a:ln w="9525">
+            <a:solidFill>
+              <a:schemeClr val="tx1"/>
+            </a:solidFill>
+            <a:miter lim="800000"/>
+            <a:headEnd/>
+            <a:tailEnd/>
+          </a:ln>
+          <a:effectLst/>
+        </p:spPr>
+        <p:txBody>
+          <a:bodyPr wrap="none" anchor="ctr"/>
+          <a:lstStyle/>
+          <a:p>
+            <a:pPr algn="ctr" eaLnBrk="1" hangingPunct="1">
+              <a:spcBef>
+                <a:spcPct val="0"/>
+              </a:spcBef>
+              <a:buSzTx/>
+              <a:buFontTx/>
+              <a:buNone/>
+            </a:pPr>
+            <a:endParaRPr lang="en-US" sz="1600" dirty="0" smtClean="0">
+              <a:solidFill>
+                <a:srgbClr val="000000"/>
+              </a:solidFill>
+            </a:endParaRPr>
+          </a:p>
+          <a:p>
+            <a:pPr algn="ctr" eaLnBrk="1" hangingPunct="1">
+              <a:spcBef>
+                <a:spcPct val="0"/>
+              </a:spcBef>
+              <a:buSzTx/>
+              <a:buFontTx/>
+              <a:buNone/>
+            </a:pPr>
+            <a:r>
+              <a:rPr lang="en-US" sz="1200" dirty="0" smtClean="0">
+                <a:solidFill>
+                  <a:srgbClr val="000000"/>
+                </a:solidFill>
+              </a:rPr>
+              <a:t>Software</a:t>
+            </a:r>
+            <a:endParaRPr lang="en-US" sz="1200" dirty="0">
+              <a:solidFill>
+                <a:srgbClr val="000000"/>
+              </a:solidFill>
+            </a:endParaRPr>
+          </a:p>
+          <a:p>
+            <a:pPr algn="ctr" eaLnBrk="1" hangingPunct="1">
+              <a:spcBef>
+                <a:spcPct val="0"/>
+              </a:spcBef>
+              <a:buSzTx/>
+              <a:buFontTx/>
+              <a:buNone/>
+            </a:pPr>
+            <a:r>
+              <a:rPr lang="en-US" sz="1200" dirty="0" smtClean="0">
+                <a:solidFill>
+                  <a:srgbClr val="000000"/>
+                </a:solidFill>
+              </a:rPr>
+              <a:t>Design</a:t>
+            </a:r>
+          </a:p>
+          <a:p>
+            <a:pPr algn="ctr" eaLnBrk="1" hangingPunct="1">
+              <a:spcBef>
+                <a:spcPct val="0"/>
+              </a:spcBef>
+              <a:buSzTx/>
+              <a:buFontTx/>
+              <a:buNone/>
+            </a:pPr>
+            <a:endParaRPr lang="en-US" sz="1600" dirty="0">
+              <a:solidFill>
+                <a:srgbClr val="000000"/>
+              </a:solidFill>
+            </a:endParaRPr>
+          </a:p>
+        </p:txBody>
+      </p:sp>
+      <p:cxnSp>
+        <p:nvCxnSpPr>
+          <p:cNvPr id="104" name="Straight Arrow Connector 103"/>
+          <p:cNvCxnSpPr>
+            <a:stCxn id="72" idx="1"/>
+            <a:endCxn id="103" idx="3"/>
+          </p:cNvCxnSpPr>
+          <p:nvPr/>
+        </p:nvCxnSpPr>
+        <p:spPr bwMode="auto">
+          <a:xfrm flipH="1" flipV="1">
+            <a:off x="2070850" y="5087468"/>
+            <a:ext cx="2214280" cy="29138"/>
+          </a:xfrm>
+          <a:prstGeom prst="straightConnector1">
+            <a:avLst/>
+          </a:prstGeom>
+          <a:noFill/>
+          <a:ln w="9525" cap="flat" cmpd="sng" algn="ctr">
+            <a:solidFill>
+              <a:srgbClr val="996600"/>
+            </a:solidFill>
+            <a:prstDash val="solid"/>
+            <a:round/>
+            <a:headEnd type="none" w="med" len="med"/>
+            <a:tailEnd type="none"/>
+          </a:ln>
+          <a:effectLst/>
+        </p:spPr>
+      </p:cxnSp>
+      <p:sp>
+        <p:nvSpPr>
+          <p:cNvPr id="105" name="TextBox 104"/>
+          <p:cNvSpPr txBox="1"/>
+          <p:nvPr/>
+        </p:nvSpPr>
+        <p:spPr>
+          <a:xfrm>
+            <a:off x="2321860" y="4993346"/>
+            <a:ext cx="493060" cy="215150"/>
+          </a:xfrm>
+          <a:prstGeom prst="rect">
+            <a:avLst/>
+          </a:prstGeom>
+          <a:solidFill>
+            <a:schemeClr val="bg1"/>
+          </a:solidFill>
+        </p:spPr>
+        <p:txBody>
+          <a:bodyPr wrap="square" lIns="0" tIns="0" rIns="0" bIns="0" rtlCol="0">
+            <a:noAutofit/>
+          </a:bodyPr>
+          <a:lstStyle/>
+          <a:p>
+            <a:pPr>
+              <a:buNone/>
+            </a:pPr>
+            <a:r>
+              <a:rPr lang="en-US" sz="1100" dirty="0" smtClean="0">
+                <a:solidFill>
+                  <a:srgbClr val="996600"/>
+                </a:solidFill>
+              </a:rPr>
+              <a:t>Design</a:t>
+            </a:r>
+          </a:p>
+          <a:p>
+            <a:pPr>
+              <a:buNone/>
+            </a:pPr>
+            <a:endParaRPr lang="en-US" sz="1100" dirty="0"/>
+          </a:p>
+        </p:txBody>
+      </p:sp>
+      <p:sp>
+        <p:nvSpPr>
+          <p:cNvPr id="106" name="TextBox 105"/>
+          <p:cNvSpPr txBox="1"/>
+          <p:nvPr/>
+        </p:nvSpPr>
+        <p:spPr>
+          <a:xfrm>
+            <a:off x="3581400" y="1008529"/>
+            <a:ext cx="1389530" cy="277906"/>
+          </a:xfrm>
+          <a:prstGeom prst="rect">
+            <a:avLst/>
+          </a:prstGeom>
+          <a:solidFill>
+            <a:schemeClr val="bg1"/>
+          </a:solidFill>
+        </p:spPr>
+        <p:txBody>
+          <a:bodyPr wrap="square" lIns="0" tIns="0" rIns="0" bIns="0" rtlCol="0">
+            <a:noAutofit/>
+          </a:bodyPr>
+          <a:lstStyle/>
+          <a:p>
+            <a:pPr>
+              <a:buNone/>
+            </a:pPr>
+            <a:r>
+              <a:rPr lang="en-US" sz="1600" dirty="0" smtClean="0"/>
+              <a:t>Requirements</a:t>
+            </a:r>
+          </a:p>
+          <a:p>
+            <a:pPr>
+              <a:buNone/>
+            </a:pPr>
+            <a:endParaRPr lang="en-US" sz="1100" dirty="0"/>
+          </a:p>
+        </p:txBody>
+      </p:sp>
+      <p:sp>
+        <p:nvSpPr>
+          <p:cNvPr id="107" name="TextBox 106"/>
+          <p:cNvSpPr txBox="1"/>
+          <p:nvPr/>
+        </p:nvSpPr>
+        <p:spPr>
+          <a:xfrm>
+            <a:off x="685800" y="990600"/>
+            <a:ext cx="1954309" cy="295835"/>
+          </a:xfrm>
+          <a:prstGeom prst="rect">
+            <a:avLst/>
+          </a:prstGeom>
+          <a:solidFill>
+            <a:schemeClr val="bg1"/>
+          </a:solidFill>
+        </p:spPr>
+        <p:txBody>
+          <a:bodyPr wrap="square" lIns="0" tIns="0" rIns="0" bIns="0" rtlCol="0">
+            <a:noAutofit/>
+          </a:bodyPr>
+          <a:lstStyle/>
+          <a:p>
+            <a:pPr>
+              <a:buNone/>
+            </a:pPr>
+            <a:r>
+              <a:rPr lang="en-US" sz="1600" dirty="0" smtClean="0"/>
+              <a:t>Functional Analysis</a:t>
+            </a:r>
+          </a:p>
+          <a:p>
+            <a:pPr>
+              <a:buNone/>
+            </a:pPr>
+            <a:endParaRPr lang="en-US" sz="1100" dirty="0"/>
+          </a:p>
+        </p:txBody>
+      </p:sp>
+      <p:sp>
+        <p:nvSpPr>
+          <p:cNvPr id="108" name="TextBox 107"/>
+          <p:cNvSpPr txBox="1"/>
+          <p:nvPr/>
+        </p:nvSpPr>
+        <p:spPr>
+          <a:xfrm>
+            <a:off x="5791200" y="1017493"/>
+            <a:ext cx="2250143" cy="268942"/>
+          </a:xfrm>
+          <a:prstGeom prst="rect">
+            <a:avLst/>
+          </a:prstGeom>
+          <a:solidFill>
+            <a:schemeClr val="bg1"/>
+          </a:solidFill>
+        </p:spPr>
+        <p:txBody>
+          <a:bodyPr wrap="square" lIns="0" tIns="0" rIns="0" bIns="0" rtlCol="0">
+            <a:noAutofit/>
+          </a:bodyPr>
+          <a:lstStyle/>
+          <a:p>
+            <a:pPr>
+              <a:buNone/>
+            </a:pPr>
+            <a:r>
+              <a:rPr lang="en-US" sz="1600" dirty="0" smtClean="0"/>
+              <a:t>Product Decomposition</a:t>
+            </a:r>
+          </a:p>
+          <a:p>
+            <a:pPr>
+              <a:buNone/>
+            </a:pPr>
+            <a:endParaRPr lang="en-US" sz="1100" dirty="0"/>
+          </a:p>
+        </p:txBody>
+      </p:sp>
+      <p:sp>
+        <p:nvSpPr>
+          <p:cNvPr id="109" name="TextBox 108"/>
+          <p:cNvSpPr txBox="1"/>
+          <p:nvPr/>
+        </p:nvSpPr>
+        <p:spPr>
+          <a:xfrm>
+            <a:off x="2214282" y="1622615"/>
+            <a:ext cx="493060" cy="215150"/>
+          </a:xfrm>
+          <a:prstGeom prst="rect">
+            <a:avLst/>
+          </a:prstGeom>
+          <a:solidFill>
+            <a:schemeClr val="bg1"/>
+          </a:solidFill>
+          <a:ln>
+            <a:noFill/>
+          </a:ln>
+        </p:spPr>
+        <p:txBody>
+          <a:bodyPr wrap="square" lIns="0" tIns="0" rIns="0" bIns="0" rtlCol="0">
+            <a:noAutofit/>
+          </a:bodyPr>
+          <a:lstStyle/>
+          <a:p>
+            <a:pPr>
+              <a:buNone/>
+            </a:pPr>
+            <a:r>
+              <a:rPr lang="en-US" sz="1100" dirty="0" smtClean="0">
+                <a:solidFill>
+                  <a:srgbClr val="996600"/>
+                </a:solidFill>
+              </a:rPr>
+              <a:t>Design</a:t>
+            </a:r>
+          </a:p>
+          <a:p>
+            <a:pPr>
+              <a:buNone/>
+            </a:pPr>
+            <a:endParaRPr lang="en-US" sz="1100" dirty="0">
+              <a:solidFill>
+                <a:srgbClr val="996600"/>
+              </a:solidFill>
+            </a:endParaRPr>
+          </a:p>
+        </p:txBody>
+      </p:sp>
+      <p:cxnSp>
+        <p:nvCxnSpPr>
+          <p:cNvPr id="110" name="Straight Arrow Connector 109"/>
+          <p:cNvCxnSpPr>
+            <a:stCxn id="70" idx="2"/>
+            <a:endCxn id="99" idx="0"/>
+          </p:cNvCxnSpPr>
+          <p:nvPr/>
+        </p:nvCxnSpPr>
+        <p:spPr bwMode="auto">
+          <a:xfrm flipH="1">
+            <a:off x="1420906" y="2017058"/>
+            <a:ext cx="22412" cy="932329"/>
+          </a:xfrm>
+          <a:prstGeom prst="straightConnector1">
+            <a:avLst/>
+          </a:prstGeom>
+          <a:noFill/>
+          <a:ln w="9525" cap="flat" cmpd="sng" algn="ctr">
+            <a:solidFill>
+              <a:srgbClr val="4E5935"/>
+            </a:solidFill>
+            <a:prstDash val="solid"/>
+            <a:round/>
+            <a:headEnd type="none" w="med" len="med"/>
+            <a:tailEnd type="none"/>
+          </a:ln>
+          <a:effectLst/>
+        </p:spPr>
+      </p:cxnSp>
+      <p:sp>
+        <p:nvSpPr>
+          <p:cNvPr id="111" name="TextBox 110"/>
+          <p:cNvSpPr txBox="1"/>
+          <p:nvPr/>
+        </p:nvSpPr>
+        <p:spPr>
+          <a:xfrm>
+            <a:off x="1048870" y="2375648"/>
+            <a:ext cx="833718" cy="161362"/>
+          </a:xfrm>
+          <a:prstGeom prst="rect">
+            <a:avLst/>
+          </a:prstGeom>
+          <a:solidFill>
+            <a:schemeClr val="bg1"/>
+          </a:solidFill>
+        </p:spPr>
+        <p:txBody>
+          <a:bodyPr wrap="square" lIns="0" tIns="0" rIns="0" bIns="0" rtlCol="0">
+            <a:noAutofit/>
+          </a:bodyPr>
+          <a:lstStyle/>
+          <a:p>
+            <a:pPr>
+              <a:buNone/>
+            </a:pPr>
+            <a:r>
+              <a:rPr lang="en-US" sz="1100" dirty="0" smtClean="0">
+                <a:solidFill>
+                  <a:srgbClr val="4E5935"/>
+                </a:solidFill>
+              </a:rPr>
+              <a:t>Dependency</a:t>
+            </a:r>
+          </a:p>
+          <a:p>
+            <a:pPr>
+              <a:buNone/>
+            </a:pPr>
+            <a:endParaRPr lang="en-US" sz="1100" dirty="0"/>
+          </a:p>
+        </p:txBody>
+      </p:sp>
+      <p:cxnSp>
+        <p:nvCxnSpPr>
+          <p:cNvPr id="112" name="Straight Arrow Connector 111"/>
+          <p:cNvCxnSpPr>
+            <a:stCxn id="63" idx="0"/>
+            <a:endCxn id="61" idx="2"/>
+          </p:cNvCxnSpPr>
+          <p:nvPr/>
+        </p:nvCxnSpPr>
+        <p:spPr bwMode="auto">
+          <a:xfrm flipH="1" flipV="1">
+            <a:off x="6844554" y="2097740"/>
+            <a:ext cx="764238" cy="1053352"/>
+          </a:xfrm>
+          <a:prstGeom prst="straightConnector1">
+            <a:avLst/>
+          </a:prstGeom>
+          <a:noFill/>
+          <a:ln w="9525" cap="flat" cmpd="sng" algn="ctr">
+            <a:solidFill>
+              <a:srgbClr val="003FF0"/>
+            </a:solidFill>
+            <a:prstDash val="solid"/>
+            <a:round/>
+            <a:headEnd type="none" w="med" len="med"/>
+            <a:tailEnd type="none"/>
+          </a:ln>
+          <a:effectLst/>
+        </p:spPr>
+      </p:cxnSp>
+      <p:cxnSp>
+        <p:nvCxnSpPr>
+          <p:cNvPr id="113" name="Straight Arrow Connector 112"/>
+          <p:cNvCxnSpPr>
+            <a:stCxn id="62" idx="0"/>
+            <a:endCxn id="61" idx="2"/>
+          </p:cNvCxnSpPr>
+          <p:nvPr/>
+        </p:nvCxnSpPr>
+        <p:spPr bwMode="auto">
+          <a:xfrm flipV="1">
+            <a:off x="6418729" y="2097740"/>
+            <a:ext cx="425825" cy="1053352"/>
+          </a:xfrm>
+          <a:prstGeom prst="straightConnector1">
+            <a:avLst/>
+          </a:prstGeom>
+          <a:noFill/>
+          <a:ln w="9525" cap="flat" cmpd="sng" algn="ctr">
+            <a:solidFill>
+              <a:srgbClr val="003FF0"/>
+            </a:solidFill>
+            <a:prstDash val="solid"/>
+            <a:round/>
+            <a:headEnd type="none" w="med" len="med"/>
+            <a:tailEnd type="none"/>
+          </a:ln>
+          <a:effectLst/>
+        </p:spPr>
+      </p:cxnSp>
+      <p:sp>
+        <p:nvSpPr>
+          <p:cNvPr id="114" name="TextBox 113"/>
+          <p:cNvSpPr txBox="1"/>
+          <p:nvPr/>
+        </p:nvSpPr>
+        <p:spPr>
+          <a:xfrm>
+            <a:off x="6535269" y="2357718"/>
+            <a:ext cx="788894" cy="170327"/>
+          </a:xfrm>
+          <a:prstGeom prst="rect">
+            <a:avLst/>
+          </a:prstGeom>
+          <a:solidFill>
+            <a:schemeClr val="bg1"/>
+          </a:solidFill>
+        </p:spPr>
+        <p:txBody>
+          <a:bodyPr wrap="square" lIns="0" tIns="0" rIns="0" bIns="0" rtlCol="0">
+            <a:noAutofit/>
+          </a:bodyPr>
+          <a:lstStyle/>
+          <a:p>
+            <a:pPr>
+              <a:buNone/>
+            </a:pPr>
+            <a:r>
+              <a:rPr lang="en-US" sz="1100" dirty="0" smtClean="0">
+                <a:solidFill>
+                  <a:srgbClr val="003FF0"/>
+                </a:solidFill>
+              </a:rPr>
+              <a:t>Hierarchical</a:t>
+            </a:r>
+          </a:p>
+          <a:p>
+            <a:pPr>
+              <a:buNone/>
+            </a:pPr>
+            <a:endParaRPr lang="en-US" sz="1100" dirty="0">
+              <a:solidFill>
+                <a:srgbClr val="003FF0"/>
+              </a:solidFill>
+            </a:endParaRPr>
+          </a:p>
+        </p:txBody>
+      </p:sp>
+      <p:cxnSp>
+        <p:nvCxnSpPr>
+          <p:cNvPr id="115" name="Straight Arrow Connector 114"/>
+          <p:cNvCxnSpPr>
+            <a:stCxn id="74" idx="0"/>
+            <a:endCxn id="63" idx="2"/>
+          </p:cNvCxnSpPr>
+          <p:nvPr/>
+        </p:nvCxnSpPr>
+        <p:spPr bwMode="auto">
+          <a:xfrm flipH="1" flipV="1">
+            <a:off x="7608792" y="3719790"/>
+            <a:ext cx="593914" cy="1130114"/>
+          </a:xfrm>
+          <a:prstGeom prst="straightConnector1">
+            <a:avLst/>
+          </a:prstGeom>
+          <a:noFill/>
+          <a:ln w="9525" cap="flat" cmpd="sng" algn="ctr">
+            <a:solidFill>
+              <a:srgbClr val="003FF0"/>
+            </a:solidFill>
+            <a:prstDash val="solid"/>
+            <a:round/>
+            <a:headEnd type="none" w="med" len="med"/>
+            <a:tailEnd type="none"/>
+          </a:ln>
+          <a:effectLst/>
+        </p:spPr>
+      </p:cxnSp>
+      <p:cxnSp>
+        <p:nvCxnSpPr>
+          <p:cNvPr id="116" name="Straight Arrow Connector 115"/>
+          <p:cNvCxnSpPr>
+            <a:stCxn id="119" idx="0"/>
+            <a:endCxn id="62" idx="2"/>
+          </p:cNvCxnSpPr>
+          <p:nvPr/>
+        </p:nvCxnSpPr>
+        <p:spPr bwMode="auto">
+          <a:xfrm flipH="1" flipV="1">
+            <a:off x="6418729" y="3738281"/>
+            <a:ext cx="744071" cy="1111623"/>
+          </a:xfrm>
+          <a:prstGeom prst="straightConnector1">
+            <a:avLst/>
+          </a:prstGeom>
+          <a:noFill/>
+          <a:ln w="9525" cap="flat" cmpd="sng" algn="ctr">
+            <a:solidFill>
+              <a:srgbClr val="003FF0"/>
+            </a:solidFill>
+            <a:prstDash val="solid"/>
+            <a:round/>
+            <a:headEnd type="none" w="med" len="med"/>
+            <a:tailEnd type="none"/>
+          </a:ln>
+          <a:effectLst/>
+        </p:spPr>
+      </p:cxnSp>
+      <p:cxnSp>
+        <p:nvCxnSpPr>
+          <p:cNvPr id="117" name="Straight Arrow Connector 116"/>
+          <p:cNvCxnSpPr>
+            <a:stCxn id="64" idx="0"/>
+            <a:endCxn id="62" idx="2"/>
+          </p:cNvCxnSpPr>
+          <p:nvPr/>
+        </p:nvCxnSpPr>
+        <p:spPr bwMode="auto">
+          <a:xfrm flipV="1">
+            <a:off x="6185648" y="3738281"/>
+            <a:ext cx="233081" cy="1111623"/>
+          </a:xfrm>
+          <a:prstGeom prst="straightConnector1">
+            <a:avLst/>
+          </a:prstGeom>
+          <a:noFill/>
+          <a:ln w="9525" cap="flat" cmpd="sng" algn="ctr">
+            <a:solidFill>
+              <a:srgbClr val="003FF0"/>
+            </a:solidFill>
+            <a:prstDash val="solid"/>
+            <a:round/>
+            <a:headEnd type="none" w="med" len="med"/>
+            <a:tailEnd type="none"/>
+          </a:ln>
+          <a:effectLst/>
+        </p:spPr>
+      </p:cxnSp>
+      <p:sp>
+        <p:nvSpPr>
+          <p:cNvPr id="118" name="TextBox 117"/>
+          <p:cNvSpPr txBox="1"/>
+          <p:nvPr/>
+        </p:nvSpPr>
+        <p:spPr>
+          <a:xfrm>
+            <a:off x="7476564" y="3917576"/>
+            <a:ext cx="788894" cy="170327"/>
+          </a:xfrm>
+          <a:prstGeom prst="rect">
+            <a:avLst/>
+          </a:prstGeom>
+          <a:solidFill>
+            <a:schemeClr val="bg1"/>
+          </a:solidFill>
+        </p:spPr>
+        <p:txBody>
+          <a:bodyPr wrap="square" lIns="0" tIns="0" rIns="0" bIns="0" rtlCol="0">
+            <a:noAutofit/>
+          </a:bodyPr>
+          <a:lstStyle/>
+          <a:p>
+            <a:pPr>
+              <a:buNone/>
+            </a:pPr>
+            <a:r>
+              <a:rPr lang="en-US" sz="1100" dirty="0" smtClean="0">
+                <a:solidFill>
+                  <a:srgbClr val="003FF0"/>
+                </a:solidFill>
+              </a:rPr>
+              <a:t>Hierarchical</a:t>
+            </a:r>
+          </a:p>
+          <a:p>
+            <a:pPr>
+              <a:buNone/>
+            </a:pPr>
+            <a:endParaRPr lang="en-US" sz="1100" dirty="0">
+              <a:solidFill>
+                <a:srgbClr val="003FF0"/>
+              </a:solidFill>
+            </a:endParaRPr>
+          </a:p>
+        </p:txBody>
+      </p:sp>
+      <p:sp>
+        <p:nvSpPr>
+          <p:cNvPr id="119" name="Rectangle 37"/>
+          <p:cNvSpPr>
+            <a:spLocks noChangeArrowheads="1"/>
+          </p:cNvSpPr>
+          <p:nvPr/>
+        </p:nvSpPr>
+        <p:spPr bwMode="auto">
+          <a:xfrm>
+            <a:off x="6732494" y="4849904"/>
+            <a:ext cx="860612" cy="549662"/>
           </a:xfrm>
           <a:prstGeom prst="rect">
             <a:avLst/>
@@ -14821,778 +16438,356 @@
           <a:bodyPr wrap="none" anchor="ctr"/>
           <a:lstStyle/>
           <a:p>
-            <a:pPr algn="ctr"/>
-            <a:r>
-              <a:rPr lang="en-US" sz="1600" dirty="0"/>
-              <a:t>EFG</a:t>
-            </a:r>
-          </a:p>
-        </p:txBody>
-      </p:sp>
-      <p:sp>
-        <p:nvSpPr>
-          <p:cNvPr id="41" name="Text Box 41"/>
-          <p:cNvSpPr txBox="1">
-            <a:spLocks noChangeArrowheads="1"/>
-          </p:cNvSpPr>
-          <p:nvPr/>
-        </p:nvSpPr>
-        <p:spPr bwMode="auto">
-          <a:xfrm>
-            <a:off x="228600" y="4343400"/>
-            <a:ext cx="1600200" cy="338554"/>
-          </a:xfrm>
-          <a:prstGeom prst="rect">
-            <a:avLst/>
-          </a:prstGeom>
-          <a:noFill/>
-          <a:ln w="9525">
-            <a:noFill/>
-            <a:miter lim="800000"/>
-            <a:headEnd/>
-            <a:tailEnd/>
-          </a:ln>
-          <a:effectLst/>
-        </p:spPr>
-        <p:txBody>
-          <a:bodyPr>
-            <a:spAutoFit/>
-          </a:bodyPr>
-          <a:lstStyle/>
-          <a:p>
-            <a:pPr>
+            <a:pPr algn="ctr" eaLnBrk="1" hangingPunct="1">
               <a:spcBef>
-                <a:spcPct val="50000"/>
+                <a:spcPct val="0"/>
               </a:spcBef>
+              <a:buSzTx/>
+              <a:buFontTx/>
+              <a:buNone/>
             </a:pPr>
             <a:r>
-              <a:rPr lang="en-US" sz="1600" dirty="0">
+              <a:rPr lang="en-US" sz="1200" dirty="0" smtClean="0">
                 <a:solidFill>
-                  <a:schemeClr val="bg1"/>
+                  <a:srgbClr val="000000"/>
                 </a:solidFill>
               </a:rPr>
-              <a:t>Implementation</a:t>
-            </a:r>
-          </a:p>
-        </p:txBody>
-      </p:sp>
-      <p:sp>
-        <p:nvSpPr>
-          <p:cNvPr id="42" name="Text Box 42"/>
-          <p:cNvSpPr txBox="1">
-            <a:spLocks noChangeArrowheads="1"/>
-          </p:cNvSpPr>
-          <p:nvPr/>
-        </p:nvSpPr>
-        <p:spPr bwMode="auto">
-          <a:xfrm>
-            <a:off x="2362200" y="4267200"/>
-            <a:ext cx="1295400" cy="338554"/>
-          </a:xfrm>
-          <a:prstGeom prst="rect">
-            <a:avLst/>
-          </a:prstGeom>
-          <a:noFill/>
-          <a:ln w="9525">
-            <a:noFill/>
-            <a:miter lim="800000"/>
-            <a:headEnd/>
-            <a:tailEnd/>
-          </a:ln>
-          <a:effectLst/>
-        </p:spPr>
-        <p:txBody>
-          <a:bodyPr wrap="square">
-            <a:spAutoFit/>
-          </a:bodyPr>
-          <a:lstStyle/>
-          <a:p>
-            <a:pPr>
+              <a:t>Hardware</a:t>
+            </a:r>
+          </a:p>
+          <a:p>
+            <a:pPr algn="ctr" eaLnBrk="1" hangingPunct="1">
               <a:spcBef>
-                <a:spcPct val="50000"/>
+                <a:spcPct val="0"/>
               </a:spcBef>
+              <a:buSzTx/>
+              <a:buFontTx/>
+              <a:buNone/>
             </a:pPr>
             <a:r>
-              <a:rPr lang="en-US" sz="1600" dirty="0">
+              <a:rPr lang="en-US" sz="1200" dirty="0" smtClean="0">
                 <a:solidFill>
-                  <a:schemeClr val="bg1"/>
+                  <a:srgbClr val="000000"/>
                 </a:solidFill>
               </a:rPr>
-              <a:t>Verification</a:t>
-            </a:r>
-          </a:p>
-        </p:txBody>
-      </p:sp>
-      <p:sp>
-        <p:nvSpPr>
-          <p:cNvPr id="43" name="Text Box 43"/>
-          <p:cNvSpPr txBox="1">
-            <a:spLocks noChangeArrowheads="1"/>
-          </p:cNvSpPr>
-          <p:nvPr/>
-        </p:nvSpPr>
-        <p:spPr bwMode="auto">
-          <a:xfrm>
-            <a:off x="4038600" y="3124200"/>
-            <a:ext cx="914400" cy="338554"/>
-          </a:xfrm>
-          <a:prstGeom prst="rect">
+              <a:t>Component</a:t>
+            </a:r>
+            <a:endParaRPr lang="en-US" sz="1200" dirty="0">
+              <a:solidFill>
+                <a:srgbClr val="000000"/>
+              </a:solidFill>
+            </a:endParaRPr>
+          </a:p>
+        </p:txBody>
+      </p:sp>
+      <p:cxnSp>
+        <p:nvCxnSpPr>
+          <p:cNvPr id="120" name="Straight Arrow Connector 119"/>
+          <p:cNvCxnSpPr>
+            <a:stCxn id="58" idx="3"/>
+            <a:endCxn id="119" idx="0"/>
+          </p:cNvCxnSpPr>
+          <p:nvPr/>
+        </p:nvCxnSpPr>
+        <p:spPr bwMode="auto">
+          <a:xfrm>
+            <a:off x="4840942" y="3453652"/>
+            <a:ext cx="2321858" cy="1396252"/>
+          </a:xfrm>
+          <a:prstGeom prst="straightConnector1">
             <a:avLst/>
           </a:prstGeom>
           <a:noFill/>
-          <a:ln w="9525">
-            <a:noFill/>
-            <a:miter lim="800000"/>
-            <a:headEnd/>
-            <a:tailEnd/>
+          <a:ln w="9525" cap="flat" cmpd="sng" algn="ctr">
+            <a:solidFill>
+              <a:srgbClr val="2D6C2A"/>
+            </a:solidFill>
+            <a:prstDash val="solid"/>
+            <a:round/>
+            <a:headEnd type="none" w="med" len="med"/>
+            <a:tailEnd type="none"/>
           </a:ln>
           <a:effectLst/>
         </p:spPr>
-        <p:txBody>
-          <a:bodyPr>
-            <a:spAutoFit/>
+      </p:cxnSp>
+      <p:cxnSp>
+        <p:nvCxnSpPr>
+          <p:cNvPr id="121" name="Straight Arrow Connector 120"/>
+          <p:cNvCxnSpPr>
+            <a:stCxn id="58" idx="3"/>
+            <a:endCxn id="74" idx="0"/>
+          </p:cNvCxnSpPr>
+          <p:nvPr/>
+        </p:nvCxnSpPr>
+        <p:spPr bwMode="auto">
+          <a:xfrm>
+            <a:off x="4840942" y="3453652"/>
+            <a:ext cx="3361764" cy="1396252"/>
+          </a:xfrm>
+          <a:prstGeom prst="straightConnector1">
+            <a:avLst/>
+          </a:prstGeom>
+          <a:noFill/>
+          <a:ln w="9525" cap="flat" cmpd="sng" algn="ctr">
+            <a:solidFill>
+              <a:srgbClr val="2D6C2A"/>
+            </a:solidFill>
+            <a:prstDash val="solid"/>
+            <a:round/>
+            <a:headEnd type="none" w="med" len="med"/>
+            <a:tailEnd type="none"/>
+          </a:ln>
+          <a:effectLst/>
+        </p:spPr>
+      </p:cxnSp>
+      <p:sp>
+        <p:nvSpPr>
+          <p:cNvPr id="122" name="TextBox 121"/>
+          <p:cNvSpPr txBox="1"/>
+          <p:nvPr/>
+        </p:nvSpPr>
+        <p:spPr>
+          <a:xfrm>
+            <a:off x="6185646" y="3917577"/>
+            <a:ext cx="788894" cy="170327"/>
+          </a:xfrm>
+          <a:prstGeom prst="rect">
+            <a:avLst/>
+          </a:prstGeom>
+          <a:solidFill>
+            <a:schemeClr val="bg1"/>
+          </a:solidFill>
+        </p:spPr>
+        <p:txBody>
+          <a:bodyPr wrap="square" lIns="0" tIns="0" rIns="0" bIns="0" rtlCol="0">
+            <a:noAutofit/>
           </a:bodyPr>
           <a:lstStyle/>
           <a:p>
             <a:pPr>
-              <a:spcBef>
-                <a:spcPct val="50000"/>
-              </a:spcBef>
+              <a:buNone/>
             </a:pPr>
             <a:r>
-              <a:rPr lang="en-US" sz="1600" dirty="0">
+              <a:rPr lang="en-US" sz="1100" dirty="0" smtClean="0">
                 <a:solidFill>
-                  <a:schemeClr val="bg1"/>
+                  <a:srgbClr val="003FF0"/>
+                </a:solidFill>
+              </a:rPr>
+              <a:t>Hierarchical</a:t>
+            </a:r>
+          </a:p>
+          <a:p>
+            <a:pPr>
+              <a:buNone/>
+            </a:pPr>
+            <a:endParaRPr lang="en-US" sz="1100" dirty="0">
+              <a:solidFill>
+                <a:srgbClr val="003FF0"/>
+              </a:solidFill>
+            </a:endParaRPr>
+          </a:p>
+        </p:txBody>
+      </p:sp>
+      <p:sp>
+        <p:nvSpPr>
+          <p:cNvPr id="123" name="TextBox 122"/>
+          <p:cNvSpPr txBox="1"/>
+          <p:nvPr/>
+        </p:nvSpPr>
+        <p:spPr>
+          <a:xfrm>
+            <a:off x="5056093" y="3639673"/>
+            <a:ext cx="788894" cy="170327"/>
+          </a:xfrm>
+          <a:prstGeom prst="rect">
+            <a:avLst/>
+          </a:prstGeom>
+          <a:solidFill>
+            <a:schemeClr val="bg1"/>
+          </a:solidFill>
+        </p:spPr>
+        <p:txBody>
+          <a:bodyPr wrap="square" lIns="0" tIns="0" rIns="0" bIns="0" rtlCol="0">
+            <a:noAutofit/>
+          </a:bodyPr>
+          <a:lstStyle/>
+          <a:p>
+            <a:pPr>
+              <a:buNone/>
+            </a:pPr>
+            <a:r>
+              <a:rPr lang="en-US" sz="1100" dirty="0" smtClean="0">
+                <a:solidFill>
+                  <a:srgbClr val="2D6C2A"/>
+                </a:solidFill>
+              </a:rPr>
+              <a:t>Allocation</a:t>
+            </a:r>
+          </a:p>
+          <a:p>
+            <a:pPr>
+              <a:buNone/>
+            </a:pPr>
+            <a:endParaRPr lang="en-US" sz="1100" dirty="0">
+              <a:solidFill>
+                <a:srgbClr val="2D6C2A"/>
+              </a:solidFill>
+            </a:endParaRPr>
+          </a:p>
+        </p:txBody>
+      </p:sp>
+      <p:cxnSp>
+        <p:nvCxnSpPr>
+          <p:cNvPr id="124" name="Straight Arrow Connector 123"/>
+          <p:cNvCxnSpPr>
+            <a:stCxn id="99" idx="3"/>
+            <a:endCxn id="58" idx="1"/>
+          </p:cNvCxnSpPr>
+          <p:nvPr/>
+        </p:nvCxnSpPr>
+        <p:spPr bwMode="auto">
+          <a:xfrm>
+            <a:off x="1828800" y="3249705"/>
+            <a:ext cx="1891553" cy="203947"/>
+          </a:xfrm>
+          <a:prstGeom prst="straightConnector1">
+            <a:avLst/>
+          </a:prstGeom>
+          <a:noFill/>
+          <a:ln w="9525" cap="flat" cmpd="sng" algn="ctr">
+            <a:solidFill>
+              <a:srgbClr val="996600"/>
+            </a:solidFill>
+            <a:prstDash val="solid"/>
+            <a:round/>
+            <a:headEnd type="none" w="med" len="med"/>
+            <a:tailEnd type="none"/>
+          </a:ln>
+          <a:effectLst/>
+        </p:spPr>
+      </p:cxnSp>
+      <p:sp>
+        <p:nvSpPr>
+          <p:cNvPr id="125" name="TextBox 124"/>
+          <p:cNvSpPr txBox="1"/>
+          <p:nvPr/>
+        </p:nvSpPr>
+        <p:spPr>
+          <a:xfrm>
+            <a:off x="2339789" y="3200404"/>
+            <a:ext cx="493060" cy="215150"/>
+          </a:xfrm>
+          <a:prstGeom prst="rect">
+            <a:avLst/>
+          </a:prstGeom>
+          <a:solidFill>
+            <a:schemeClr val="bg1"/>
+          </a:solidFill>
+        </p:spPr>
+        <p:txBody>
+          <a:bodyPr wrap="square" lIns="0" tIns="0" rIns="0" bIns="0" rtlCol="0">
+            <a:noAutofit/>
+          </a:bodyPr>
+          <a:lstStyle/>
+          <a:p>
+            <a:pPr>
+              <a:buNone/>
+            </a:pPr>
+            <a:r>
+              <a:rPr lang="en-US" sz="1100" dirty="0" smtClean="0">
+                <a:solidFill>
+                  <a:srgbClr val="996600"/>
                 </a:solidFill>
               </a:rPr>
               <a:t>Design</a:t>
             </a:r>
           </a:p>
-        </p:txBody>
-      </p:sp>
-      <p:sp>
-        <p:nvSpPr>
-          <p:cNvPr id="44" name="Line 44"/>
-          <p:cNvSpPr>
-            <a:spLocks noChangeShapeType="1"/>
-          </p:cNvSpPr>
-          <p:nvPr/>
-        </p:nvSpPr>
-        <p:spPr bwMode="auto">
-          <a:xfrm flipH="1">
-            <a:off x="6172200" y="2971800"/>
-            <a:ext cx="381000" cy="381000"/>
-          </a:xfrm>
-          <a:prstGeom prst="line">
+          <a:p>
+            <a:pPr>
+              <a:buNone/>
+            </a:pPr>
+            <a:endParaRPr lang="en-US" sz="1100" dirty="0"/>
+          </a:p>
+        </p:txBody>
+      </p:sp>
+      <p:cxnSp>
+        <p:nvCxnSpPr>
+          <p:cNvPr id="127" name="Straight Arrow Connector 126"/>
+          <p:cNvCxnSpPr>
+            <a:stCxn id="81" idx="0"/>
+            <a:endCxn id="74" idx="2"/>
+          </p:cNvCxnSpPr>
+          <p:nvPr/>
+        </p:nvCxnSpPr>
+        <p:spPr bwMode="auto">
+          <a:xfrm flipV="1">
+            <a:off x="6485965" y="5405719"/>
+            <a:ext cx="1716741" cy="560291"/>
+          </a:xfrm>
+          <a:prstGeom prst="straightConnector1">
             <a:avLst/>
           </a:prstGeom>
           <a:noFill/>
-          <a:ln w="9525">
-            <a:solidFill>
-              <a:schemeClr val="tx1"/>
-            </a:solidFill>
+          <a:ln w="9525" cap="flat" cmpd="sng" algn="ctr">
+            <a:solidFill>
+              <a:srgbClr val="003FF0"/>
+            </a:solidFill>
+            <a:prstDash val="solid"/>
             <a:round/>
-            <a:headEnd/>
-            <a:tailEnd type="triangle" w="med" len="med"/>
+            <a:headEnd type="none" w="med" len="med"/>
+            <a:tailEnd type="none"/>
           </a:ln>
           <a:effectLst/>
         </p:spPr>
-        <p:txBody>
-          <a:bodyPr/>
-          <a:lstStyle/>
-          <a:p>
-            <a:endParaRPr lang="en-US" sz="1600"/>
-          </a:p>
-        </p:txBody>
-      </p:sp>
-      <p:sp>
-        <p:nvSpPr>
-          <p:cNvPr id="45" name="Line 45"/>
-          <p:cNvSpPr>
-            <a:spLocks noChangeShapeType="1"/>
-          </p:cNvSpPr>
-          <p:nvPr/>
-        </p:nvSpPr>
-        <p:spPr bwMode="auto">
-          <a:xfrm>
-            <a:off x="6553200" y="2971800"/>
-            <a:ext cx="381000" cy="381000"/>
-          </a:xfrm>
-          <a:prstGeom prst="line">
-            <a:avLst/>
-          </a:prstGeom>
-          <a:noFill/>
-          <a:ln w="9525">
-            <a:solidFill>
-              <a:schemeClr val="tx1"/>
-            </a:solidFill>
-            <a:round/>
-            <a:headEnd/>
-            <a:tailEnd type="triangle" w="med" len="med"/>
-          </a:ln>
-          <a:effectLst/>
-        </p:spPr>
-        <p:txBody>
-          <a:bodyPr/>
-          <a:lstStyle/>
-          <a:p>
-            <a:endParaRPr lang="en-US"/>
-          </a:p>
-        </p:txBody>
-      </p:sp>
-      <p:sp>
-        <p:nvSpPr>
-          <p:cNvPr id="46" name="Line 46"/>
-          <p:cNvSpPr>
-            <a:spLocks noChangeShapeType="1"/>
-          </p:cNvSpPr>
-          <p:nvPr/>
-        </p:nvSpPr>
-        <p:spPr bwMode="auto">
-          <a:xfrm flipH="1">
-            <a:off x="7696200" y="2971800"/>
-            <a:ext cx="152400" cy="381000"/>
-          </a:xfrm>
-          <a:prstGeom prst="line">
-            <a:avLst/>
-          </a:prstGeom>
-          <a:noFill/>
-          <a:ln w="9525">
-            <a:solidFill>
-              <a:schemeClr val="tx1"/>
-            </a:solidFill>
-            <a:round/>
-            <a:headEnd/>
-            <a:tailEnd type="triangle" w="med" len="med"/>
-          </a:ln>
-          <a:effectLst/>
-        </p:spPr>
-        <p:txBody>
-          <a:bodyPr/>
-          <a:lstStyle/>
-          <a:p>
-            <a:endParaRPr lang="en-US"/>
-          </a:p>
-        </p:txBody>
-      </p:sp>
-      <p:sp>
-        <p:nvSpPr>
-          <p:cNvPr id="47" name="Line 47"/>
-          <p:cNvSpPr>
-            <a:spLocks noChangeShapeType="1"/>
-          </p:cNvSpPr>
-          <p:nvPr/>
-        </p:nvSpPr>
-        <p:spPr bwMode="auto">
-          <a:xfrm>
-            <a:off x="7848600" y="2971800"/>
-            <a:ext cx="609600" cy="381000"/>
-          </a:xfrm>
-          <a:prstGeom prst="line">
-            <a:avLst/>
-          </a:prstGeom>
-          <a:noFill/>
-          <a:ln w="9525">
-            <a:solidFill>
-              <a:schemeClr val="tx1"/>
-            </a:solidFill>
-            <a:round/>
-            <a:headEnd/>
-            <a:tailEnd type="triangle" w="med" len="med"/>
-          </a:ln>
-          <a:effectLst/>
-        </p:spPr>
-        <p:txBody>
-          <a:bodyPr/>
-          <a:lstStyle/>
-          <a:p>
-            <a:endParaRPr lang="en-US"/>
-          </a:p>
-        </p:txBody>
-      </p:sp>
-      <p:sp>
-        <p:nvSpPr>
-          <p:cNvPr id="48" name="Line 48"/>
-          <p:cNvSpPr>
-            <a:spLocks noChangeShapeType="1"/>
-          </p:cNvSpPr>
-          <p:nvPr/>
-        </p:nvSpPr>
-        <p:spPr bwMode="auto">
-          <a:xfrm>
-            <a:off x="4038600" y="1600200"/>
-            <a:ext cx="2286000" cy="1143000"/>
-          </a:xfrm>
-          <a:prstGeom prst="line">
-            <a:avLst/>
-          </a:prstGeom>
-          <a:noFill/>
-          <a:ln w="25400">
-            <a:solidFill>
-              <a:srgbClr val="FFFF99"/>
-            </a:solidFill>
-            <a:round/>
-            <a:headEnd/>
-            <a:tailEnd type="triangle" w="med" len="med"/>
-          </a:ln>
-          <a:effectLst/>
-        </p:spPr>
-        <p:txBody>
-          <a:bodyPr/>
-          <a:lstStyle/>
-          <a:p>
-            <a:endParaRPr lang="en-US" sz="1600"/>
-          </a:p>
-        </p:txBody>
-      </p:sp>
-      <p:sp>
-        <p:nvSpPr>
-          <p:cNvPr id="49" name="Text Box 49"/>
-          <p:cNvSpPr txBox="1">
-            <a:spLocks noChangeArrowheads="1"/>
-          </p:cNvSpPr>
-          <p:nvPr/>
-        </p:nvSpPr>
-        <p:spPr bwMode="auto">
-          <a:xfrm>
-            <a:off x="4876800" y="1676400"/>
-            <a:ext cx="1143000" cy="338554"/>
-          </a:xfrm>
-          <a:prstGeom prst="rect">
-            <a:avLst/>
-          </a:prstGeom>
-          <a:noFill/>
-          <a:ln w="9525">
-            <a:noFill/>
-            <a:miter lim="800000"/>
-            <a:headEnd/>
-            <a:tailEnd/>
-          </a:ln>
-          <a:effectLst/>
-        </p:spPr>
-        <p:txBody>
-          <a:bodyPr>
-            <a:spAutoFit/>
+      </p:cxnSp>
+      <p:sp>
+        <p:nvSpPr>
+          <p:cNvPr id="128" name="TextBox 127"/>
+          <p:cNvSpPr txBox="1"/>
+          <p:nvPr/>
+        </p:nvSpPr>
+        <p:spPr>
+          <a:xfrm>
+            <a:off x="7010400" y="5562600"/>
+            <a:ext cx="788894" cy="170327"/>
+          </a:xfrm>
+          <a:prstGeom prst="rect">
+            <a:avLst/>
+          </a:prstGeom>
+          <a:solidFill>
+            <a:schemeClr val="bg1"/>
+          </a:solidFill>
+        </p:spPr>
+        <p:txBody>
+          <a:bodyPr wrap="square" lIns="0" tIns="0" rIns="0" bIns="0" rtlCol="0">
+            <a:noAutofit/>
           </a:bodyPr>
           <a:lstStyle/>
           <a:p>
             <a:pPr>
-              <a:spcBef>
-                <a:spcPct val="50000"/>
-              </a:spcBef>
+              <a:buNone/>
             </a:pPr>
             <a:r>
-              <a:rPr lang="en-US" sz="1600" dirty="0">
+              <a:rPr lang="en-US" sz="1100" dirty="0" smtClean="0">
                 <a:solidFill>
-                  <a:schemeClr val="bg1"/>
+                  <a:srgbClr val="003FF0"/>
                 </a:solidFill>
               </a:rPr>
-              <a:t>Allocation</a:t>
-            </a:r>
-          </a:p>
-        </p:txBody>
-      </p:sp>
-      <p:sp>
-        <p:nvSpPr>
-          <p:cNvPr id="50" name="Line 50"/>
-          <p:cNvSpPr>
-            <a:spLocks noChangeShapeType="1"/>
-          </p:cNvSpPr>
-          <p:nvPr/>
-        </p:nvSpPr>
-        <p:spPr bwMode="auto">
-          <a:xfrm>
-            <a:off x="4724400" y="2971800"/>
-            <a:ext cx="1143000" cy="685800"/>
-          </a:xfrm>
-          <a:prstGeom prst="line">
-            <a:avLst/>
-          </a:prstGeom>
-          <a:noFill/>
-          <a:ln w="25400">
-            <a:solidFill>
-              <a:srgbClr val="FFFF99"/>
-            </a:solidFill>
-            <a:round/>
-            <a:headEnd/>
-            <a:tailEnd type="triangle" w="med" len="med"/>
-          </a:ln>
-          <a:effectLst/>
-        </p:spPr>
-        <p:txBody>
-          <a:bodyPr/>
-          <a:lstStyle/>
-          <a:p>
-            <a:endParaRPr lang="en-US" sz="1600"/>
-          </a:p>
-        </p:txBody>
-      </p:sp>
-      <p:sp>
-        <p:nvSpPr>
-          <p:cNvPr id="52" name="Text Box 52"/>
-          <p:cNvSpPr txBox="1">
-            <a:spLocks noChangeArrowheads="1"/>
-          </p:cNvSpPr>
-          <p:nvPr/>
-        </p:nvSpPr>
-        <p:spPr bwMode="auto">
-          <a:xfrm>
-            <a:off x="4953000" y="2861846"/>
-            <a:ext cx="1066800" cy="338554"/>
-          </a:xfrm>
-          <a:prstGeom prst="rect">
-            <a:avLst/>
-          </a:prstGeom>
-          <a:noFill/>
-          <a:ln w="9525">
-            <a:noFill/>
-            <a:miter lim="800000"/>
-            <a:headEnd/>
-            <a:tailEnd/>
-          </a:ln>
-          <a:effectLst/>
-        </p:spPr>
-        <p:txBody>
-          <a:bodyPr wrap="square">
-            <a:spAutoFit/>
-          </a:bodyPr>
-          <a:lstStyle/>
+              <a:t>Hierarchical</a:t>
+            </a:r>
+          </a:p>
           <a:p>
             <a:pPr>
-              <a:spcBef>
-                <a:spcPct val="50000"/>
-              </a:spcBef>
+              <a:buNone/>
             </a:pPr>
-            <a:r>
-              <a:rPr lang="en-US" sz="1600" dirty="0">
-                <a:solidFill>
-                  <a:schemeClr val="bg1"/>
-                </a:solidFill>
-              </a:rPr>
-              <a:t>Allocation</a:t>
-            </a:r>
-          </a:p>
-        </p:txBody>
-      </p:sp>
-      <p:cxnSp>
-        <p:nvCxnSpPr>
-          <p:cNvPr id="53" name="AutoShape 53"/>
-          <p:cNvCxnSpPr>
-            <a:cxnSpLocks noChangeShapeType="1"/>
-          </p:cNvCxnSpPr>
-          <p:nvPr/>
-        </p:nvCxnSpPr>
-        <p:spPr bwMode="auto">
-          <a:xfrm rot="5400000">
-            <a:off x="2247900" y="3238500"/>
-            <a:ext cx="381000" cy="0"/>
-          </a:xfrm>
-          <a:prstGeom prst="straightConnector1">
-            <a:avLst/>
-          </a:prstGeom>
-          <a:noFill/>
-          <a:ln w="9525">
-            <a:solidFill>
-              <a:schemeClr val="bg1"/>
-            </a:solidFill>
-            <a:round/>
-            <a:headEnd type="triangle" w="med" len="med"/>
-            <a:tailEnd type="triangle" w="med" len="med"/>
-          </a:ln>
-          <a:effectLst/>
-        </p:spPr>
-      </p:cxnSp>
-      <p:sp>
-        <p:nvSpPr>
-          <p:cNvPr id="55" name="Rectangle 16"/>
-          <p:cNvSpPr>
-            <a:spLocks noChangeArrowheads="1"/>
-          </p:cNvSpPr>
-          <p:nvPr/>
-        </p:nvSpPr>
-        <p:spPr bwMode="auto">
-          <a:xfrm>
-            <a:off x="5486400" y="4114800"/>
-            <a:ext cx="1295400" cy="685800"/>
-          </a:xfrm>
-          <a:prstGeom prst="rect">
-            <a:avLst/>
-          </a:prstGeom>
-          <a:solidFill>
-            <a:srgbClr val="C0C0C0"/>
-          </a:solidFill>
-          <a:ln w="9525">
-            <a:solidFill>
-              <a:schemeClr val="tx1"/>
-            </a:solidFill>
-            <a:miter lim="800000"/>
-            <a:headEnd/>
-            <a:tailEnd/>
-          </a:ln>
-          <a:effectLst/>
-        </p:spPr>
-        <p:txBody>
-          <a:bodyPr wrap="none" anchor="ctr"/>
-          <a:lstStyle/>
-          <a:p>
-            <a:pPr algn="ctr"/>
-            <a:r>
-              <a:rPr lang="en-US" sz="1600" dirty="0" smtClean="0"/>
-              <a:t>System</a:t>
-            </a:r>
-            <a:endParaRPr lang="en-US" sz="1600" dirty="0"/>
-          </a:p>
-          <a:p>
-            <a:pPr algn="ctr"/>
-            <a:r>
-              <a:rPr lang="en-US" sz="1600" dirty="0" smtClean="0"/>
-              <a:t>Function</a:t>
-            </a:r>
-            <a:endParaRPr lang="en-US" sz="1600" dirty="0"/>
-          </a:p>
-        </p:txBody>
-      </p:sp>
-      <p:sp>
-        <p:nvSpPr>
-          <p:cNvPr id="59" name="Rectangle 16"/>
-          <p:cNvSpPr>
-            <a:spLocks noChangeArrowheads="1"/>
-          </p:cNvSpPr>
-          <p:nvPr/>
-        </p:nvSpPr>
-        <p:spPr bwMode="auto">
-          <a:xfrm>
-            <a:off x="7239000" y="4724400"/>
-            <a:ext cx="1295400" cy="685800"/>
-          </a:xfrm>
-          <a:prstGeom prst="rect">
-            <a:avLst/>
-          </a:prstGeom>
-          <a:solidFill>
-            <a:srgbClr val="C0C0C0"/>
-          </a:solidFill>
-          <a:ln w="9525">
-            <a:solidFill>
-              <a:schemeClr val="tx1"/>
-            </a:solidFill>
-            <a:miter lim="800000"/>
-            <a:headEnd/>
-            <a:tailEnd/>
-          </a:ln>
-          <a:effectLst/>
-        </p:spPr>
-        <p:txBody>
-          <a:bodyPr wrap="none" anchor="ctr"/>
-          <a:lstStyle/>
-          <a:p>
-            <a:pPr algn="ctr"/>
-            <a:r>
-              <a:rPr lang="en-US" sz="1600" dirty="0"/>
-              <a:t>Subsystem</a:t>
-            </a:r>
-          </a:p>
-          <a:p>
-            <a:pPr algn="ctr"/>
-            <a:r>
-              <a:rPr lang="en-US" sz="1600" dirty="0" smtClean="0"/>
-              <a:t>Function</a:t>
-            </a:r>
-            <a:endParaRPr lang="en-US" sz="1600" dirty="0"/>
-          </a:p>
-        </p:txBody>
-      </p:sp>
-      <p:cxnSp>
-        <p:nvCxnSpPr>
-          <p:cNvPr id="60" name="AutoShape 17"/>
-          <p:cNvCxnSpPr>
-            <a:cxnSpLocks noChangeShapeType="1"/>
-          </p:cNvCxnSpPr>
-          <p:nvPr/>
-        </p:nvCxnSpPr>
-        <p:spPr bwMode="auto">
-          <a:xfrm>
-            <a:off x="4572000" y="3048000"/>
-            <a:ext cx="2590800" cy="2133600"/>
-          </a:xfrm>
-          <a:prstGeom prst="curvedConnector3">
-            <a:avLst>
-              <a:gd name="adj1" fmla="val 26103"/>
-            </a:avLst>
-          </a:prstGeom>
-          <a:noFill/>
-          <a:ln w="9525">
-            <a:solidFill>
-              <a:schemeClr val="bg1"/>
-            </a:solidFill>
-            <a:round/>
-            <a:headEnd type="triangle" w="med" len="med"/>
-            <a:tailEnd type="triangle" w="med" len="med"/>
-          </a:ln>
-          <a:effectLst/>
-        </p:spPr>
-      </p:cxnSp>
-      <p:cxnSp>
-        <p:nvCxnSpPr>
-          <p:cNvPr id="73" name="AutoShape 53"/>
-          <p:cNvCxnSpPr>
-            <a:cxnSpLocks noChangeShapeType="1"/>
-          </p:cNvCxnSpPr>
-          <p:nvPr/>
-        </p:nvCxnSpPr>
-        <p:spPr bwMode="auto">
-          <a:xfrm>
-            <a:off x="2362200" y="4114800"/>
-            <a:ext cx="0" cy="609600"/>
-          </a:xfrm>
-          <a:prstGeom prst="straightConnector1">
-            <a:avLst/>
-          </a:prstGeom>
-          <a:noFill/>
-          <a:ln w="9525">
-            <a:solidFill>
-              <a:schemeClr val="bg1"/>
-            </a:solidFill>
-            <a:round/>
-            <a:headEnd type="triangle" w="med" len="med"/>
-            <a:tailEnd type="triangle" w="med" len="med"/>
-          </a:ln>
-          <a:effectLst/>
-        </p:spPr>
-      </p:cxnSp>
-      <p:cxnSp>
-        <p:nvCxnSpPr>
-          <p:cNvPr id="76" name="AutoShape 5"/>
-          <p:cNvCxnSpPr>
-            <a:cxnSpLocks noChangeShapeType="1"/>
-          </p:cNvCxnSpPr>
-          <p:nvPr/>
-        </p:nvCxnSpPr>
-        <p:spPr bwMode="auto">
-          <a:xfrm flipH="1">
-            <a:off x="914400" y="1981200"/>
-            <a:ext cx="685800" cy="381000"/>
-          </a:xfrm>
-          <a:prstGeom prst="straightConnector1">
-            <a:avLst/>
-          </a:prstGeom>
-          <a:noFill/>
-          <a:ln w="9525">
-            <a:solidFill>
-              <a:schemeClr val="bg1"/>
-            </a:solidFill>
-            <a:round/>
-            <a:headEnd type="triangle" w="med" len="med"/>
-            <a:tailEnd type="triangle" w="med" len="med"/>
-          </a:ln>
-          <a:effectLst/>
-        </p:spPr>
-      </p:cxnSp>
-      <p:cxnSp>
-        <p:nvCxnSpPr>
-          <p:cNvPr id="79" name="AutoShape 5"/>
-          <p:cNvCxnSpPr>
-            <a:cxnSpLocks noChangeShapeType="1"/>
-          </p:cNvCxnSpPr>
-          <p:nvPr/>
-        </p:nvCxnSpPr>
-        <p:spPr bwMode="auto">
-          <a:xfrm>
-            <a:off x="1828800" y="1981200"/>
-            <a:ext cx="533400" cy="381000"/>
-          </a:xfrm>
-          <a:prstGeom prst="straightConnector1">
-            <a:avLst/>
-          </a:prstGeom>
-          <a:noFill/>
-          <a:ln w="9525">
-            <a:solidFill>
-              <a:schemeClr val="bg1"/>
-            </a:solidFill>
-            <a:round/>
-            <a:headEnd type="triangle" w="med" len="med"/>
-            <a:tailEnd type="triangle" w="med" len="med"/>
-          </a:ln>
-          <a:effectLst/>
-        </p:spPr>
-      </p:cxnSp>
-      <p:sp>
-        <p:nvSpPr>
-          <p:cNvPr id="18" name="Rectangle 16"/>
-          <p:cNvSpPr>
-            <a:spLocks noChangeArrowheads="1"/>
-          </p:cNvSpPr>
-          <p:nvPr/>
-        </p:nvSpPr>
-        <p:spPr bwMode="auto">
-          <a:xfrm>
-            <a:off x="3733800" y="3505200"/>
-            <a:ext cx="1295400" cy="685800"/>
-          </a:xfrm>
-          <a:prstGeom prst="rect">
-            <a:avLst/>
-          </a:prstGeom>
-          <a:solidFill>
-            <a:srgbClr val="C0C0C0"/>
-          </a:solidFill>
-          <a:ln w="9525">
-            <a:solidFill>
-              <a:schemeClr val="tx1"/>
-            </a:solidFill>
-            <a:miter lim="800000"/>
-            <a:headEnd/>
-            <a:tailEnd/>
-          </a:ln>
-          <a:effectLst/>
-        </p:spPr>
-        <p:txBody>
-          <a:bodyPr wrap="none" anchor="ctr"/>
-          <a:lstStyle/>
-          <a:p>
-            <a:pPr algn="ctr"/>
-            <a:r>
-              <a:rPr lang="en-US" sz="1600" dirty="0"/>
-              <a:t>Subsystem</a:t>
-            </a:r>
-          </a:p>
-          <a:p>
-            <a:pPr algn="ctr"/>
-            <a:r>
-              <a:rPr lang="en-US" sz="1600" dirty="0" smtClean="0"/>
-              <a:t>Design</a:t>
-            </a:r>
-            <a:endParaRPr lang="en-US" sz="1600" dirty="0"/>
-          </a:p>
-        </p:txBody>
-      </p:sp>
-      <p:cxnSp>
-        <p:nvCxnSpPr>
-          <p:cNvPr id="56" name="AutoShape 17"/>
-          <p:cNvCxnSpPr>
-            <a:cxnSpLocks noChangeShapeType="1"/>
-            <a:endCxn id="55" idx="1"/>
-          </p:cNvCxnSpPr>
-          <p:nvPr/>
-        </p:nvCxnSpPr>
-        <p:spPr bwMode="auto">
-          <a:xfrm rot="16200000" flipH="1">
-            <a:off x="3028950" y="2000250"/>
-            <a:ext cx="2552700" cy="2362200"/>
-          </a:xfrm>
-          <a:prstGeom prst="curvedConnector2">
-            <a:avLst/>
-          </a:prstGeom>
-          <a:noFill/>
-          <a:ln w="9525">
-            <a:solidFill>
-              <a:schemeClr val="bg1"/>
-            </a:solidFill>
-            <a:round/>
-            <a:headEnd type="triangle" w="med" len="med"/>
-            <a:tailEnd type="triangle" w="med" len="med"/>
-          </a:ln>
-          <a:effectLst/>
-        </p:spPr>
-      </p:cxnSp>
+            <a:endParaRPr lang="en-US" sz="1100" dirty="0">
+              <a:solidFill>
+                <a:srgbClr val="003FF0"/>
+              </a:solidFill>
+            </a:endParaRPr>
+          </a:p>
+        </p:txBody>
+      </p:sp>
     </p:spTree>
   </p:cSld>
   <p:clrMapOvr>
